--- a/projectname/projectname/static/assets/img/portfolio/topic_discovery.pptx
+++ b/projectname/projectname/static/assets/img/portfolio/topic_discovery.pptx
@@ -2,10 +2,13 @@
 <file path=ppt/presentation.xml><?xml version="1.0" encoding="utf-8"?>
 <p:presentation xmlns:a="http://schemas.openxmlformats.org/drawingml/2006/main" xmlns:r="http://schemas.openxmlformats.org/officeDocument/2006/relationships" xmlns:p="http://schemas.openxmlformats.org/presentationml/2006/main" saveSubsetFonts="1">
   <p:sldMasterIdLst>
-    <p:sldMasterId id="2147483672" r:id="rId1"/>
+    <p:sldMasterId id="2147484201" r:id="rId1"/>
   </p:sldMasterIdLst>
   <p:sldIdLst>
     <p:sldId id="256" r:id="rId2"/>
+    <p:sldId id="258" r:id="rId3"/>
+    <p:sldId id="259" r:id="rId4"/>
+    <p:sldId id="260" r:id="rId5"/>
   </p:sldIdLst>
   <p:sldSz cx="3240088" cy="2339975"/>
   <p:notesSz cx="6858000" cy="9144000"/>
@@ -104,12 +107,22 @@
       </a:defRPr>
     </a:lvl9pPr>
   </p:defaultTextStyle>
+  <p:extLst>
+    <p:ext uri="{EFAFB233-063F-42B5-8137-9DF3F51BA10A}">
+      <p15:sldGuideLst xmlns:p15="http://schemas.microsoft.com/office/powerpoint/2012/main"/>
+    </p:ext>
+  </p:extLst>
 </p:presentation>
 </file>
 
 <file path=ppt/slideLayouts/slideLayout1.xml><?xml version="1.0" encoding="utf-8"?>
-<p:sldLayout xmlns:a="http://schemas.openxmlformats.org/drawingml/2006/main" xmlns:r="http://schemas.openxmlformats.org/officeDocument/2006/relationships" xmlns:p="http://schemas.openxmlformats.org/presentationml/2006/main" type="title" preserve="1">
+<p:sldLayout xmlns:a="http://schemas.openxmlformats.org/drawingml/2006/main" xmlns:r="http://schemas.openxmlformats.org/officeDocument/2006/relationships" xmlns:p="http://schemas.openxmlformats.org/presentationml/2006/main" showMasterSp="0" type="title" preserve="1">
   <p:cSld name="Title Slide">
+    <p:bg>
+      <p:bgRef idx="1002">
+        <a:schemeClr val="bg2"/>
+      </p:bgRef>
+    </p:bg>
     <p:spTree>
       <p:nvGrpSpPr>
         <p:cNvPr id="1" name=""/>
@@ -126,6 +139,293 @@
       </p:grpSpPr>
       <p:sp>
         <p:nvSpPr>
+          <p:cNvPr id="16" name="Rectangle 15"/>
+          <p:cNvSpPr/>
+          <p:nvPr/>
+        </p:nvSpPr>
+        <p:spPr>
+          <a:xfrm>
+            <a:off x="0" y="0"/>
+            <a:ext cx="3240088" cy="2339975"/>
+          </a:xfrm>
+          <a:prstGeom prst="rect">
+            <a:avLst/>
+          </a:prstGeom>
+          <a:blipFill dpi="0" rotWithShape="1">
+            <a:blip r:embed="rId2">
+              <a:alphaModFix amt="45000"/>
+              <a:duotone>
+                <a:schemeClr val="accent1">
+                  <a:shade val="45000"/>
+                  <a:satMod val="135000"/>
+                </a:schemeClr>
+                <a:prstClr val="white"/>
+              </a:duotone>
+            </a:blip>
+            <a:srcRect/>
+            <a:tile tx="-44450" ty="38100" sx="85000" sy="85000" flip="none" algn="tl"/>
+          </a:blipFill>
+          <a:ln>
+            <a:noFill/>
+          </a:ln>
+        </p:spPr>
+        <p:style>
+          <a:lnRef idx="2">
+            <a:schemeClr val="accent1">
+              <a:shade val="50000"/>
+            </a:schemeClr>
+          </a:lnRef>
+          <a:fillRef idx="1">
+            <a:schemeClr val="accent1"/>
+          </a:fillRef>
+          <a:effectRef idx="0">
+            <a:schemeClr val="accent1"/>
+          </a:effectRef>
+          <a:fontRef idx="minor">
+            <a:schemeClr val="lt1"/>
+          </a:fontRef>
+        </p:style>
+      </p:sp>
+      <p:sp>
+        <p:nvSpPr>
+          <p:cNvPr id="10" name="Rectangle 9"/>
+          <p:cNvSpPr/>
+          <p:nvPr/>
+        </p:nvSpPr>
+        <p:spPr>
+          <a:xfrm>
+            <a:off x="347573" y="435044"/>
+            <a:ext cx="2544942" cy="1469888"/>
+          </a:xfrm>
+          <a:prstGeom prst="rect">
+            <a:avLst/>
+          </a:prstGeom>
+          <a:solidFill>
+            <a:schemeClr val="bg1"/>
+          </a:solidFill>
+          <a:ln w="6350" cap="flat" cmpd="sng" algn="ctr">
+            <a:noFill/>
+            <a:prstDash val="solid"/>
+          </a:ln>
+          <a:effectLst>
+            <a:outerShdw blurRad="50800" algn="ctr" rotWithShape="0">
+              <a:prstClr val="black">
+                <a:alpha val="66000"/>
+              </a:prstClr>
+            </a:outerShdw>
+            <a:softEdge rad="0"/>
+          </a:effectLst>
+        </p:spPr>
+      </p:sp>
+      <p:sp>
+        <p:nvSpPr>
+          <p:cNvPr id="11" name="Rectangle 10"/>
+          <p:cNvSpPr/>
+          <p:nvPr/>
+        </p:nvSpPr>
+        <p:spPr>
+          <a:xfrm>
+            <a:off x="385571" y="472675"/>
+            <a:ext cx="2468947" cy="1394625"/>
+          </a:xfrm>
+          <a:prstGeom prst="rect">
+            <a:avLst/>
+          </a:prstGeom>
+          <a:noFill/>
+          <a:ln w="6350" cap="sq" cmpd="sng" algn="ctr">
+            <a:solidFill>
+              <a:schemeClr val="tx1">
+                <a:lumMod val="75000"/>
+                <a:lumOff val="25000"/>
+              </a:schemeClr>
+            </a:solidFill>
+            <a:prstDash val="solid"/>
+            <a:miter lim="800000"/>
+          </a:ln>
+          <a:effectLst/>
+        </p:spPr>
+      </p:sp>
+      <p:sp>
+        <p:nvSpPr>
+          <p:cNvPr id="15" name="Rectangle 14"/>
+          <p:cNvSpPr/>
+          <p:nvPr/>
+        </p:nvSpPr>
+        <p:spPr>
+          <a:xfrm>
+            <a:off x="1344637" y="432554"/>
+            <a:ext cx="550815" cy="218398"/>
+          </a:xfrm>
+          <a:prstGeom prst="rect">
+            <a:avLst/>
+          </a:prstGeom>
+          <a:solidFill>
+            <a:schemeClr val="bg2"/>
+          </a:solidFill>
+          <a:ln>
+            <a:noFill/>
+          </a:ln>
+        </p:spPr>
+        <p:style>
+          <a:lnRef idx="2">
+            <a:schemeClr val="accent1">
+              <a:shade val="50000"/>
+            </a:schemeClr>
+          </a:lnRef>
+          <a:fillRef idx="1">
+            <a:schemeClr val="accent1"/>
+          </a:fillRef>
+          <a:effectRef idx="0">
+            <a:schemeClr val="accent1"/>
+          </a:effectRef>
+          <a:fontRef idx="minor">
+            <a:schemeClr val="lt1"/>
+          </a:fontRef>
+        </p:style>
+      </p:sp>
+      <p:grpSp>
+        <p:nvGrpSpPr>
+          <p:cNvPr id="4" name="Group 3"/>
+          <p:cNvGrpSpPr/>
+          <p:nvPr/>
+        </p:nvGrpSpPr>
+        <p:grpSpPr>
+          <a:xfrm>
+            <a:off x="1377038" y="432555"/>
+            <a:ext cx="486013" cy="187198"/>
+            <a:chOff x="5318306" y="1386268"/>
+            <a:chExt cx="1567331" cy="645295"/>
+          </a:xfrm>
+        </p:grpSpPr>
+        <p:cxnSp>
+          <p:nvCxnSpPr>
+            <p:cNvPr id="17" name="Straight Connector 16"/>
+            <p:cNvCxnSpPr/>
+            <p:nvPr/>
+          </p:nvCxnSpPr>
+          <p:spPr>
+            <a:xfrm>
+              <a:off x="5318306" y="1386268"/>
+              <a:ext cx="0" cy="640080"/>
+            </a:xfrm>
+            <a:prstGeom prst="line">
+              <a:avLst/>
+            </a:prstGeom>
+            <a:solidFill>
+              <a:schemeClr val="tx1">
+                <a:lumMod val="85000"/>
+                <a:lumOff val="15000"/>
+              </a:schemeClr>
+            </a:solidFill>
+            <a:ln>
+              <a:solidFill>
+                <a:schemeClr val="tx1"/>
+              </a:solidFill>
+              <a:miter lim="800000"/>
+            </a:ln>
+          </p:spPr>
+          <p:style>
+            <a:lnRef idx="1">
+              <a:schemeClr val="accent1"/>
+            </a:lnRef>
+            <a:fillRef idx="0">
+              <a:schemeClr val="accent1"/>
+            </a:fillRef>
+            <a:effectRef idx="0">
+              <a:schemeClr val="accent1"/>
+            </a:effectRef>
+            <a:fontRef idx="minor">
+              <a:schemeClr val="tx1"/>
+            </a:fontRef>
+          </p:style>
+        </p:cxnSp>
+        <p:cxnSp>
+          <p:nvCxnSpPr>
+            <p:cNvPr id="18" name="Straight Connector 17"/>
+            <p:cNvCxnSpPr/>
+            <p:nvPr/>
+          </p:nvCxnSpPr>
+          <p:spPr>
+            <a:xfrm>
+              <a:off x="6885637" y="1386268"/>
+              <a:ext cx="0" cy="640080"/>
+            </a:xfrm>
+            <a:prstGeom prst="line">
+              <a:avLst/>
+            </a:prstGeom>
+            <a:solidFill>
+              <a:schemeClr val="tx1">
+                <a:lumMod val="85000"/>
+                <a:lumOff val="15000"/>
+              </a:schemeClr>
+            </a:solidFill>
+            <a:ln>
+              <a:solidFill>
+                <a:schemeClr val="tx1"/>
+              </a:solidFill>
+              <a:miter lim="800000"/>
+            </a:ln>
+          </p:spPr>
+          <p:style>
+            <a:lnRef idx="1">
+              <a:schemeClr val="accent1"/>
+            </a:lnRef>
+            <a:fillRef idx="0">
+              <a:schemeClr val="accent1"/>
+            </a:fillRef>
+            <a:effectRef idx="0">
+              <a:schemeClr val="accent1"/>
+            </a:effectRef>
+            <a:fontRef idx="minor">
+              <a:schemeClr val="tx1"/>
+            </a:fontRef>
+          </p:style>
+        </p:cxnSp>
+        <p:cxnSp>
+          <p:nvCxnSpPr>
+            <p:cNvPr id="19" name="Straight Connector 18"/>
+            <p:cNvCxnSpPr/>
+            <p:nvPr/>
+          </p:nvCxnSpPr>
+          <p:spPr>
+            <a:xfrm>
+              <a:off x="5318306" y="2031563"/>
+              <a:ext cx="1567331" cy="0"/>
+            </a:xfrm>
+            <a:prstGeom prst="line">
+              <a:avLst/>
+            </a:prstGeom>
+            <a:solidFill>
+              <a:schemeClr val="tx1">
+                <a:lumMod val="85000"/>
+                <a:lumOff val="15000"/>
+              </a:schemeClr>
+            </a:solidFill>
+            <a:ln>
+              <a:solidFill>
+                <a:schemeClr val="tx1"/>
+              </a:solidFill>
+              <a:miter lim="800000"/>
+            </a:ln>
+          </p:spPr>
+          <p:style>
+            <a:lnRef idx="1">
+              <a:schemeClr val="accent1"/>
+            </a:lnRef>
+            <a:fillRef idx="0">
+              <a:schemeClr val="accent1"/>
+            </a:fillRef>
+            <a:effectRef idx="0">
+              <a:schemeClr val="accent1"/>
+            </a:effectRef>
+            <a:fontRef idx="minor">
+              <a:schemeClr val="tx1"/>
+            </a:fontRef>
+          </p:style>
+        </p:cxnSp>
+      </p:grpSp>
+      <p:sp>
+        <p:nvSpPr>
           <p:cNvPr id="2" name="Title 1"/>
           <p:cNvSpPr>
             <a:spLocks noGrp="1"/>
@@ -136,15 +436,31 @@
         </p:nvSpPr>
         <p:spPr>
           <a:xfrm>
-            <a:off x="243007" y="382954"/>
-            <a:ext cx="2754075" cy="814658"/>
-          </a:xfrm>
-        </p:spPr>
-        <p:txBody>
-          <a:bodyPr anchor="b"/>
+            <a:off x="415032" y="713546"/>
+            <a:ext cx="2410025" cy="883991"/>
+          </a:xfrm>
+        </p:spPr>
+        <p:txBody>
+          <a:bodyPr tIns="45720" bIns="45720" anchor="ctr">
+            <a:noAutofit/>
+          </a:bodyPr>
           <a:lstStyle>
             <a:lvl1pPr algn="ctr">
-              <a:defRPr sz="2047"/>
+              <a:lnSpc>
+                <a:spcPct val="83000"/>
+              </a:lnSpc>
+              <a:defRPr lang="en-US" sz="2115" b="0" kern="1200" cap="all" spc="-34" baseline="0" dirty="0">
+                <a:solidFill>
+                  <a:schemeClr val="tx1">
+                    <a:lumMod val="85000"/>
+                    <a:lumOff val="15000"/>
+                  </a:schemeClr>
+                </a:solidFill>
+                <a:effectLst/>
+                <a:latin typeface="+mj-lt"/>
+                <a:ea typeface="+mn-ea"/>
+                <a:cs typeface="+mn-cs"/>
+              </a:defRPr>
             </a:lvl1pPr>
           </a:lstStyle>
           <a:p>
@@ -168,133 +484,188 @@
         </p:nvSpPr>
         <p:spPr>
           <a:xfrm>
-            <a:off x="405011" y="1229029"/>
-            <a:ext cx="2430066" cy="564952"/>
+            <a:off x="415137" y="1597537"/>
+            <a:ext cx="2410625" cy="171598"/>
+          </a:xfrm>
+        </p:spPr>
+        <p:txBody>
+          <a:bodyPr>
+            <a:normAutofit/>
+          </a:bodyPr>
+          <a:lstStyle>
+            <a:lvl1pPr marL="0" indent="0" algn="ctr">
+              <a:spcBef>
+                <a:spcPts val="0"/>
+              </a:spcBef>
+              <a:buNone/>
+              <a:defRPr sz="478" spc="27" baseline="0">
+                <a:solidFill>
+                  <a:schemeClr val="tx1"/>
+                </a:solidFill>
+              </a:defRPr>
+            </a:lvl1pPr>
+            <a:lvl2pPr marL="155997" indent="0" algn="ctr">
+              <a:buNone/>
+              <a:defRPr sz="478"/>
+            </a:lvl2pPr>
+            <a:lvl3pPr marL="311993" indent="0" algn="ctr">
+              <a:buNone/>
+              <a:defRPr sz="478"/>
+            </a:lvl3pPr>
+            <a:lvl4pPr marL="467990" indent="0" algn="ctr">
+              <a:buNone/>
+              <a:defRPr sz="478"/>
+            </a:lvl4pPr>
+            <a:lvl5pPr marL="623987" indent="0" algn="ctr">
+              <a:buNone/>
+              <a:defRPr sz="478"/>
+            </a:lvl5pPr>
+            <a:lvl6pPr marL="779983" indent="0" algn="ctr">
+              <a:buNone/>
+              <a:defRPr sz="478"/>
+            </a:lvl6pPr>
+            <a:lvl7pPr marL="935980" indent="0" algn="ctr">
+              <a:buNone/>
+              <a:defRPr sz="478"/>
+            </a:lvl7pPr>
+            <a:lvl8pPr marL="1091976" indent="0" algn="ctr">
+              <a:buNone/>
+              <a:defRPr sz="478"/>
+            </a:lvl8pPr>
+            <a:lvl9pPr marL="1247973" indent="0" algn="ctr">
+              <a:buNone/>
+              <a:defRPr sz="478"/>
+            </a:lvl9pPr>
+          </a:lstStyle>
+          <a:p>
+            <a:r>
+              <a:rPr lang="en-US"/>
+              <a:t>Click to edit Master subtitle style</a:t>
+            </a:r>
+            <a:endParaRPr lang="en-US" dirty="0"/>
+          </a:p>
+        </p:txBody>
+      </p:sp>
+      <p:sp>
+        <p:nvSpPr>
+          <p:cNvPr id="20" name="Date Placeholder 19"/>
+          <p:cNvSpPr>
+            <a:spLocks noGrp="1"/>
+          </p:cNvSpPr>
+          <p:nvPr>
+            <p:ph type="dt" sz="half" idx="10"/>
+          </p:nvPr>
+        </p:nvSpPr>
+        <p:spPr>
+          <a:xfrm>
+            <a:off x="1393238" y="452842"/>
+            <a:ext cx="453612" cy="155998"/>
           </a:xfrm>
         </p:spPr>
         <p:txBody>
           <a:bodyPr/>
           <a:lstStyle>
-            <a:lvl1pPr marL="0" indent="0" algn="ctr">
-              <a:buNone/>
-              <a:defRPr sz="819"/>
+            <a:lvl1pPr algn="ctr">
+              <a:defRPr sz="375" spc="0" baseline="0">
+                <a:solidFill>
+                  <a:schemeClr val="tx1"/>
+                </a:solidFill>
+                <a:latin typeface="+mn-lt"/>
+              </a:defRPr>
             </a:lvl1pPr>
-            <a:lvl2pPr marL="155997" indent="0" algn="ctr">
-              <a:buNone/>
-              <a:defRPr sz="682"/>
-            </a:lvl2pPr>
-            <a:lvl3pPr marL="311993" indent="0" algn="ctr">
-              <a:buNone/>
-              <a:defRPr sz="614"/>
-            </a:lvl3pPr>
-            <a:lvl4pPr marL="467990" indent="0" algn="ctr">
-              <a:buNone/>
-              <a:defRPr sz="546"/>
-            </a:lvl4pPr>
-            <a:lvl5pPr marL="623987" indent="0" algn="ctr">
-              <a:buNone/>
-              <a:defRPr sz="546"/>
-            </a:lvl5pPr>
-            <a:lvl6pPr marL="779983" indent="0" algn="ctr">
-              <a:buNone/>
-              <a:defRPr sz="546"/>
-            </a:lvl6pPr>
-            <a:lvl7pPr marL="935980" indent="0" algn="ctr">
-              <a:buNone/>
-              <a:defRPr sz="546"/>
-            </a:lvl7pPr>
-            <a:lvl8pPr marL="1091976" indent="0" algn="ctr">
-              <a:buNone/>
-              <a:defRPr sz="546"/>
-            </a:lvl8pPr>
-            <a:lvl9pPr marL="1247973" indent="0" algn="ctr">
-              <a:buNone/>
-              <a:defRPr sz="546"/>
-            </a:lvl9pPr>
           </a:lstStyle>
           <a:p>
-            <a:r>
-              <a:rPr lang="en-US"/>
-              <a:t>Click to edit Master subtitle style</a:t>
-            </a:r>
+            <a:fld id="{EA0C0817-A112-4847-8014-A94B7D2A4EA3}" type="datetime1">
+              <a:rPr lang="en-US" smtClean="0"/>
+              <a:t>6/12/2020</a:t>
+            </a:fld>
             <a:endParaRPr lang="en-US" dirty="0"/>
           </a:p>
         </p:txBody>
       </p:sp>
       <p:sp>
         <p:nvSpPr>
-          <p:cNvPr id="4" name="Date Placeholder 3"/>
-          <p:cNvSpPr>
-            <a:spLocks noGrp="1"/>
-          </p:cNvSpPr>
-          <p:nvPr>
-            <p:ph type="dt" sz="half" idx="10"/>
-          </p:nvPr>
-        </p:nvSpPr>
-        <p:spPr/>
+          <p:cNvPr id="21" name="Footer Placeholder 20"/>
+          <p:cNvSpPr>
+            <a:spLocks noGrp="1"/>
+          </p:cNvSpPr>
+          <p:nvPr>
+            <p:ph type="ftr" sz="quarter" idx="11"/>
+          </p:nvPr>
+        </p:nvSpPr>
+        <p:spPr>
+          <a:xfrm>
+            <a:off x="391523" y="1778033"/>
+            <a:ext cx="1569418" cy="77999"/>
+          </a:xfrm>
+        </p:spPr>
         <p:txBody>
           <a:bodyPr/>
-          <a:lstStyle/>
-          <a:p>
-            <a:fld id="{15674EA1-EAE9-41CA-9396-79C0A4E3A536}" type="datetimeFigureOut">
-              <a:rPr lang="en-CA" smtClean="0"/>
-              <a:t>2020-06-06</a:t>
-            </a:fld>
-            <a:endParaRPr lang="en-CA"/>
-          </a:p>
-        </p:txBody>
-      </p:sp>
-      <p:sp>
-        <p:nvSpPr>
-          <p:cNvPr id="5" name="Footer Placeholder 4"/>
-          <p:cNvSpPr>
-            <a:spLocks noGrp="1"/>
-          </p:cNvSpPr>
-          <p:nvPr>
-            <p:ph type="ftr" sz="quarter" idx="11"/>
-          </p:nvPr>
-        </p:nvSpPr>
-        <p:spPr/>
+          <a:lstStyle>
+            <a:lvl1pPr algn="l">
+              <a:defRPr sz="307">
+                <a:solidFill>
+                  <a:schemeClr val="tx1">
+                    <a:lumMod val="75000"/>
+                    <a:lumOff val="25000"/>
+                  </a:schemeClr>
+                </a:solidFill>
+              </a:defRPr>
+            </a:lvl1pPr>
+          </a:lstStyle>
+          <a:p>
+            <a:endParaRPr lang="en-US" dirty="0"/>
+          </a:p>
+        </p:txBody>
+      </p:sp>
+      <p:sp>
+        <p:nvSpPr>
+          <p:cNvPr id="22" name="Slide Number Placeholder 21"/>
+          <p:cNvSpPr>
+            <a:spLocks noGrp="1"/>
+          </p:cNvSpPr>
+          <p:nvPr>
+            <p:ph type="sldNum" sz="quarter" idx="12"/>
+          </p:nvPr>
+        </p:nvSpPr>
+        <p:spPr>
+          <a:xfrm>
+            <a:off x="2287334" y="1778381"/>
+            <a:ext cx="561244" cy="77999"/>
+          </a:xfrm>
+        </p:spPr>
         <p:txBody>
           <a:bodyPr/>
-          <a:lstStyle/>
-          <a:p>
-            <a:endParaRPr lang="en-CA"/>
-          </a:p>
-        </p:txBody>
-      </p:sp>
-      <p:sp>
-        <p:nvSpPr>
-          <p:cNvPr id="6" name="Slide Number Placeholder 5"/>
-          <p:cNvSpPr>
-            <a:spLocks noGrp="1"/>
-          </p:cNvSpPr>
-          <p:nvPr>
-            <p:ph type="sldNum" sz="quarter" idx="12"/>
-          </p:nvPr>
-        </p:nvSpPr>
-        <p:spPr/>
-        <p:txBody>
-          <a:bodyPr/>
-          <a:lstStyle/>
-          <a:p>
-            <a:fld id="{103160D4-6CE2-4A60-B605-2B6396BBC775}" type="slidenum">
-              <a:rPr lang="en-CA" smtClean="0"/>
+          <a:lstStyle>
+            <a:lvl1pPr>
+              <a:defRPr>
+                <a:solidFill>
+                  <a:schemeClr val="tx1">
+                    <a:lumMod val="75000"/>
+                    <a:lumOff val="25000"/>
+                  </a:schemeClr>
+                </a:solidFill>
+              </a:defRPr>
+            </a:lvl1pPr>
+          </a:lstStyle>
+          <a:p>
+            <a:fld id="{34B7E4EF-A1BD-40F4-AB7B-04F084DD991D}" type="slidenum">
+              <a:rPr lang="en-US" smtClean="0"/>
               <a:t>‹#›</a:t>
             </a:fld>
-            <a:endParaRPr lang="en-CA"/>
+            <a:endParaRPr lang="en-US" dirty="0"/>
           </a:p>
         </p:txBody>
       </p:sp>
     </p:spTree>
     <p:extLst>
       <p:ext uri="{BB962C8B-B14F-4D97-AF65-F5344CB8AC3E}">
-        <p14:creationId xmlns:p14="http://schemas.microsoft.com/office/powerpoint/2010/main" val="968350025"/>
+        <p14:creationId xmlns:p14="http://schemas.microsoft.com/office/powerpoint/2010/main" val="2253805932"/>
       </p:ext>
     </p:extLst>
   </p:cSld>
   <p:clrMapOvr>
-    <a:masterClrMapping/>
+    <a:overrideClrMapping bg1="lt1" tx1="dk1" bg2="lt2" tx2="dk2" accent1="accent1" accent2="accent2" accent3="accent3" accent4="accent4" accent5="accent5" accent6="accent6" hlink="hlink" folHlink="folHlink"/>
   </p:clrMapOvr>
 </p:sldLayout>
 </file>
@@ -406,11 +777,11 @@
           <a:bodyPr/>
           <a:lstStyle/>
           <a:p>
-            <a:fld id="{15674EA1-EAE9-41CA-9396-79C0A4E3A536}" type="datetimeFigureOut">
-              <a:rPr lang="en-CA" smtClean="0"/>
-              <a:t>2020-06-06</a:t>
+            <a:fld id="{134F40B7-36AB-4376-BE14-EF7004D79BB9}" type="datetime1">
+              <a:rPr lang="en-US" smtClean="0"/>
+              <a:t>6/12/2020</a:t>
             </a:fld>
-            <a:endParaRPr lang="en-CA"/>
+            <a:endParaRPr lang="en-US"/>
           </a:p>
         </p:txBody>
       </p:sp>
@@ -429,7 +800,7 @@
           <a:bodyPr/>
           <a:lstStyle/>
           <a:p>
-            <a:endParaRPr lang="en-CA"/>
+            <a:endParaRPr lang="en-US"/>
           </a:p>
         </p:txBody>
       </p:sp>
@@ -448,18 +819,18 @@
           <a:bodyPr/>
           <a:lstStyle/>
           <a:p>
-            <a:fld id="{103160D4-6CE2-4A60-B605-2B6396BBC775}" type="slidenum">
-              <a:rPr lang="en-CA" smtClean="0"/>
+            <a:fld id="{34B7E4EF-A1BD-40F4-AB7B-04F084DD991D}" type="slidenum">
+              <a:rPr lang="en-US" smtClean="0"/>
               <a:t>‹#›</a:t>
             </a:fld>
-            <a:endParaRPr lang="en-CA"/>
+            <a:endParaRPr lang="en-US"/>
           </a:p>
         </p:txBody>
       </p:sp>
     </p:spTree>
     <p:extLst>
       <p:ext uri="{BB962C8B-B14F-4D97-AF65-F5344CB8AC3E}">
-        <p14:creationId xmlns:p14="http://schemas.microsoft.com/office/powerpoint/2010/main" val="1363037140"/>
+        <p14:creationId xmlns:p14="http://schemas.microsoft.com/office/powerpoint/2010/main" val="3478782677"/>
       </p:ext>
     </p:extLst>
   </p:cSld>
@@ -498,8 +869,8 @@
         </p:nvSpPr>
         <p:spPr>
           <a:xfrm>
-            <a:off x="2318688" y="124582"/>
-            <a:ext cx="698644" cy="1983021"/>
+            <a:off x="2389565" y="259997"/>
+            <a:ext cx="627767" cy="1793981"/>
           </a:xfrm>
         </p:spPr>
         <p:txBody>
@@ -526,8 +897,8 @@
         </p:nvSpPr>
         <p:spPr>
           <a:xfrm>
-            <a:off x="222756" y="124582"/>
-            <a:ext cx="2055431" cy="1983021"/>
+            <a:off x="222756" y="259997"/>
+            <a:ext cx="2146558" cy="1793981"/>
           </a:xfrm>
         </p:spPr>
         <p:txBody>
@@ -586,11 +957,11 @@
           <a:bodyPr/>
           <a:lstStyle/>
           <a:p>
-            <a:fld id="{15674EA1-EAE9-41CA-9396-79C0A4E3A536}" type="datetimeFigureOut">
-              <a:rPr lang="en-CA" smtClean="0"/>
-              <a:t>2020-06-06</a:t>
+            <a:fld id="{FF87CAB8-DCAE-46A5-AADA-B3FAD11A54E0}" type="datetime1">
+              <a:rPr lang="en-US" smtClean="0"/>
+              <a:t>6/12/2020</a:t>
             </a:fld>
-            <a:endParaRPr lang="en-CA"/>
+            <a:endParaRPr lang="en-US"/>
           </a:p>
         </p:txBody>
       </p:sp>
@@ -609,7 +980,7 @@
           <a:bodyPr/>
           <a:lstStyle/>
           <a:p>
-            <a:endParaRPr lang="en-CA"/>
+            <a:endParaRPr lang="en-US"/>
           </a:p>
         </p:txBody>
       </p:sp>
@@ -628,18 +999,18 @@
           <a:bodyPr/>
           <a:lstStyle/>
           <a:p>
-            <a:fld id="{103160D4-6CE2-4A60-B605-2B6396BBC775}" type="slidenum">
-              <a:rPr lang="en-CA" smtClean="0"/>
+            <a:fld id="{34B7E4EF-A1BD-40F4-AB7B-04F084DD991D}" type="slidenum">
+              <a:rPr lang="en-US" smtClean="0"/>
               <a:t>‹#›</a:t>
             </a:fld>
-            <a:endParaRPr lang="en-CA"/>
+            <a:endParaRPr lang="en-US"/>
           </a:p>
         </p:txBody>
       </p:sp>
     </p:spTree>
     <p:extLst>
       <p:ext uri="{BB962C8B-B14F-4D97-AF65-F5344CB8AC3E}">
-        <p14:creationId xmlns:p14="http://schemas.microsoft.com/office/powerpoint/2010/main" val="246596476"/>
+        <p14:creationId xmlns:p14="http://schemas.microsoft.com/office/powerpoint/2010/main" val="3917613598"/>
       </p:ext>
     </p:extLst>
   </p:cSld>
@@ -743,7 +1114,7 @@
       </p:sp>
       <p:sp>
         <p:nvSpPr>
-          <p:cNvPr id="4" name="Date Placeholder 3"/>
+          <p:cNvPr id="7" name="Date Placeholder 6"/>
           <p:cNvSpPr>
             <a:spLocks noGrp="1"/>
           </p:cNvSpPr>
@@ -756,17 +1127,17 @@
           <a:bodyPr/>
           <a:lstStyle/>
           <a:p>
-            <a:fld id="{15674EA1-EAE9-41CA-9396-79C0A4E3A536}" type="datetimeFigureOut">
-              <a:rPr lang="en-CA" smtClean="0"/>
-              <a:t>2020-06-06</a:t>
+            <a:fld id="{7332B432-ACDA-4023-A761-2BAB76577B62}" type="datetime1">
+              <a:rPr lang="en-US" smtClean="0"/>
+              <a:t>6/12/2020</a:t>
             </a:fld>
-            <a:endParaRPr lang="en-CA"/>
-          </a:p>
-        </p:txBody>
-      </p:sp>
-      <p:sp>
-        <p:nvSpPr>
-          <p:cNvPr id="5" name="Footer Placeholder 4"/>
+            <a:endParaRPr lang="en-US"/>
+          </a:p>
+        </p:txBody>
+      </p:sp>
+      <p:sp>
+        <p:nvSpPr>
+          <p:cNvPr id="8" name="Footer Placeholder 7"/>
           <p:cNvSpPr>
             <a:spLocks noGrp="1"/>
           </p:cNvSpPr>
@@ -779,13 +1150,13 @@
           <a:bodyPr/>
           <a:lstStyle/>
           <a:p>
-            <a:endParaRPr lang="en-CA"/>
-          </a:p>
-        </p:txBody>
-      </p:sp>
-      <p:sp>
-        <p:nvSpPr>
-          <p:cNvPr id="6" name="Slide Number Placeholder 5"/>
+            <a:endParaRPr lang="en-US"/>
+          </a:p>
+        </p:txBody>
+      </p:sp>
+      <p:sp>
+        <p:nvSpPr>
+          <p:cNvPr id="9" name="Slide Number Placeholder 8"/>
           <p:cNvSpPr>
             <a:spLocks noGrp="1"/>
           </p:cNvSpPr>
@@ -798,18 +1169,18 @@
           <a:bodyPr/>
           <a:lstStyle/>
           <a:p>
-            <a:fld id="{103160D4-6CE2-4A60-B605-2B6396BBC775}" type="slidenum">
-              <a:rPr lang="en-CA" smtClean="0"/>
+            <a:fld id="{34B7E4EF-A1BD-40F4-AB7B-04F084DD991D}" type="slidenum">
+              <a:rPr lang="en-US" smtClean="0"/>
               <a:t>‹#›</a:t>
             </a:fld>
-            <a:endParaRPr lang="en-CA"/>
+            <a:endParaRPr lang="en-US"/>
           </a:p>
         </p:txBody>
       </p:sp>
     </p:spTree>
     <p:extLst>
       <p:ext uri="{BB962C8B-B14F-4D97-AF65-F5344CB8AC3E}">
-        <p14:creationId xmlns:p14="http://schemas.microsoft.com/office/powerpoint/2010/main" val="2439296314"/>
+        <p14:creationId xmlns:p14="http://schemas.microsoft.com/office/powerpoint/2010/main" val="3061282365"/>
       </p:ext>
     </p:extLst>
   </p:cSld>
@@ -820,8 +1191,13 @@
 </file>
 
 <file path=ppt/slideLayouts/slideLayout3.xml><?xml version="1.0" encoding="utf-8"?>
-<p:sldLayout xmlns:a="http://schemas.openxmlformats.org/drawingml/2006/main" xmlns:r="http://schemas.openxmlformats.org/officeDocument/2006/relationships" xmlns:p="http://schemas.openxmlformats.org/presentationml/2006/main" type="secHead" preserve="1">
+<p:sldLayout xmlns:a="http://schemas.openxmlformats.org/drawingml/2006/main" xmlns:r="http://schemas.openxmlformats.org/officeDocument/2006/relationships" xmlns:p="http://schemas.openxmlformats.org/presentationml/2006/main" showMasterSp="0" type="secHead" preserve="1">
   <p:cSld name="Section Header">
+    <p:bg>
+      <p:bgRef idx="1002">
+        <a:schemeClr val="bg2"/>
+      </p:bgRef>
+    </p:bg>
     <p:spTree>
       <p:nvGrpSpPr>
         <p:cNvPr id="1" name=""/>
@@ -838,6 +1214,293 @@
       </p:grpSpPr>
       <p:sp>
         <p:nvSpPr>
+          <p:cNvPr id="22" name="Rectangle 21"/>
+          <p:cNvSpPr/>
+          <p:nvPr/>
+        </p:nvSpPr>
+        <p:spPr>
+          <a:xfrm>
+            <a:off x="0" y="0"/>
+            <a:ext cx="3240088" cy="2339975"/>
+          </a:xfrm>
+          <a:prstGeom prst="rect">
+            <a:avLst/>
+          </a:prstGeom>
+          <a:blipFill dpi="0" rotWithShape="1">
+            <a:blip r:embed="rId2">
+              <a:alphaModFix amt="45000"/>
+              <a:duotone>
+                <a:schemeClr val="accent2">
+                  <a:shade val="45000"/>
+                  <a:satMod val="135000"/>
+                </a:schemeClr>
+                <a:prstClr val="white"/>
+              </a:duotone>
+            </a:blip>
+            <a:srcRect/>
+            <a:tile tx="-44450" ty="38100" sx="85000" sy="85000" flip="none" algn="tl"/>
+          </a:blipFill>
+          <a:ln>
+            <a:noFill/>
+          </a:ln>
+        </p:spPr>
+        <p:style>
+          <a:lnRef idx="2">
+            <a:schemeClr val="accent1">
+              <a:shade val="50000"/>
+            </a:schemeClr>
+          </a:lnRef>
+          <a:fillRef idx="1">
+            <a:schemeClr val="accent1"/>
+          </a:fillRef>
+          <a:effectRef idx="0">
+            <a:schemeClr val="accent1"/>
+          </a:effectRef>
+          <a:fontRef idx="minor">
+            <a:schemeClr val="lt1"/>
+          </a:fontRef>
+        </p:style>
+      </p:sp>
+      <p:sp>
+        <p:nvSpPr>
+          <p:cNvPr id="23" name="Rectangle 22"/>
+          <p:cNvSpPr/>
+          <p:nvPr/>
+        </p:nvSpPr>
+        <p:spPr>
+          <a:xfrm>
+            <a:off x="347573" y="435044"/>
+            <a:ext cx="2544942" cy="1469888"/>
+          </a:xfrm>
+          <a:prstGeom prst="rect">
+            <a:avLst/>
+          </a:prstGeom>
+          <a:solidFill>
+            <a:schemeClr val="bg1"/>
+          </a:solidFill>
+          <a:ln w="6350" cap="flat" cmpd="sng" algn="ctr">
+            <a:noFill/>
+            <a:prstDash val="solid"/>
+          </a:ln>
+          <a:effectLst>
+            <a:outerShdw blurRad="50800" algn="ctr" rotWithShape="0">
+              <a:prstClr val="black">
+                <a:alpha val="66000"/>
+              </a:prstClr>
+            </a:outerShdw>
+            <a:softEdge rad="0"/>
+          </a:effectLst>
+        </p:spPr>
+      </p:sp>
+      <p:sp>
+        <p:nvSpPr>
+          <p:cNvPr id="24" name="Rectangle 23"/>
+          <p:cNvSpPr/>
+          <p:nvPr/>
+        </p:nvSpPr>
+        <p:spPr>
+          <a:xfrm>
+            <a:off x="385571" y="472675"/>
+            <a:ext cx="2468947" cy="1394625"/>
+          </a:xfrm>
+          <a:prstGeom prst="rect">
+            <a:avLst/>
+          </a:prstGeom>
+          <a:noFill/>
+          <a:ln w="6350" cap="sq" cmpd="sng" algn="ctr">
+            <a:solidFill>
+              <a:schemeClr val="tx1">
+                <a:lumMod val="75000"/>
+                <a:lumOff val="25000"/>
+              </a:schemeClr>
+            </a:solidFill>
+            <a:prstDash val="solid"/>
+            <a:miter lim="800000"/>
+          </a:ln>
+          <a:effectLst/>
+        </p:spPr>
+      </p:sp>
+      <p:sp>
+        <p:nvSpPr>
+          <p:cNvPr id="30" name="Rectangle 29"/>
+          <p:cNvSpPr/>
+          <p:nvPr/>
+        </p:nvSpPr>
+        <p:spPr>
+          <a:xfrm>
+            <a:off x="1344637" y="432554"/>
+            <a:ext cx="550815" cy="218398"/>
+          </a:xfrm>
+          <a:prstGeom prst="rect">
+            <a:avLst/>
+          </a:prstGeom>
+          <a:solidFill>
+            <a:schemeClr val="bg2"/>
+          </a:solidFill>
+          <a:ln>
+            <a:noFill/>
+          </a:ln>
+        </p:spPr>
+        <p:style>
+          <a:lnRef idx="2">
+            <a:schemeClr val="accent1">
+              <a:shade val="50000"/>
+            </a:schemeClr>
+          </a:lnRef>
+          <a:fillRef idx="1">
+            <a:schemeClr val="accent1"/>
+          </a:fillRef>
+          <a:effectRef idx="0">
+            <a:schemeClr val="accent1"/>
+          </a:effectRef>
+          <a:fontRef idx="minor">
+            <a:schemeClr val="lt1"/>
+          </a:fontRef>
+        </p:style>
+      </p:sp>
+      <p:grpSp>
+        <p:nvGrpSpPr>
+          <p:cNvPr id="31" name="Group 30"/>
+          <p:cNvGrpSpPr/>
+          <p:nvPr/>
+        </p:nvGrpSpPr>
+        <p:grpSpPr>
+          <a:xfrm>
+            <a:off x="1377038" y="432555"/>
+            <a:ext cx="486013" cy="187198"/>
+            <a:chOff x="5318306" y="1386268"/>
+            <a:chExt cx="1567331" cy="645295"/>
+          </a:xfrm>
+        </p:grpSpPr>
+        <p:cxnSp>
+          <p:nvCxnSpPr>
+            <p:cNvPr id="32" name="Straight Connector 31"/>
+            <p:cNvCxnSpPr/>
+            <p:nvPr/>
+          </p:nvCxnSpPr>
+          <p:spPr>
+            <a:xfrm>
+              <a:off x="5318306" y="1386268"/>
+              <a:ext cx="0" cy="640080"/>
+            </a:xfrm>
+            <a:prstGeom prst="line">
+              <a:avLst/>
+            </a:prstGeom>
+            <a:solidFill>
+              <a:schemeClr val="tx1">
+                <a:lumMod val="85000"/>
+                <a:lumOff val="15000"/>
+              </a:schemeClr>
+            </a:solidFill>
+            <a:ln>
+              <a:solidFill>
+                <a:schemeClr val="tx1"/>
+              </a:solidFill>
+              <a:miter lim="800000"/>
+            </a:ln>
+          </p:spPr>
+          <p:style>
+            <a:lnRef idx="1">
+              <a:schemeClr val="accent1"/>
+            </a:lnRef>
+            <a:fillRef idx="0">
+              <a:schemeClr val="accent1"/>
+            </a:fillRef>
+            <a:effectRef idx="0">
+              <a:schemeClr val="accent1"/>
+            </a:effectRef>
+            <a:fontRef idx="minor">
+              <a:schemeClr val="tx1"/>
+            </a:fontRef>
+          </p:style>
+        </p:cxnSp>
+        <p:cxnSp>
+          <p:nvCxnSpPr>
+            <p:cNvPr id="33" name="Straight Connector 32"/>
+            <p:cNvCxnSpPr/>
+            <p:nvPr/>
+          </p:nvCxnSpPr>
+          <p:spPr>
+            <a:xfrm>
+              <a:off x="6885637" y="1386268"/>
+              <a:ext cx="0" cy="640080"/>
+            </a:xfrm>
+            <a:prstGeom prst="line">
+              <a:avLst/>
+            </a:prstGeom>
+            <a:solidFill>
+              <a:schemeClr val="tx1">
+                <a:lumMod val="85000"/>
+                <a:lumOff val="15000"/>
+              </a:schemeClr>
+            </a:solidFill>
+            <a:ln>
+              <a:solidFill>
+                <a:schemeClr val="tx1"/>
+              </a:solidFill>
+              <a:miter lim="800000"/>
+            </a:ln>
+          </p:spPr>
+          <p:style>
+            <a:lnRef idx="1">
+              <a:schemeClr val="accent1"/>
+            </a:lnRef>
+            <a:fillRef idx="0">
+              <a:schemeClr val="accent1"/>
+            </a:fillRef>
+            <a:effectRef idx="0">
+              <a:schemeClr val="accent1"/>
+            </a:effectRef>
+            <a:fontRef idx="minor">
+              <a:schemeClr val="tx1"/>
+            </a:fontRef>
+          </p:style>
+        </p:cxnSp>
+        <p:cxnSp>
+          <p:nvCxnSpPr>
+            <p:cNvPr id="34" name="Straight Connector 33"/>
+            <p:cNvCxnSpPr/>
+            <p:nvPr/>
+          </p:nvCxnSpPr>
+          <p:spPr>
+            <a:xfrm>
+              <a:off x="5318306" y="2031563"/>
+              <a:ext cx="1567331" cy="0"/>
+            </a:xfrm>
+            <a:prstGeom prst="line">
+              <a:avLst/>
+            </a:prstGeom>
+            <a:solidFill>
+              <a:schemeClr val="tx1">
+                <a:lumMod val="85000"/>
+                <a:lumOff val="15000"/>
+              </a:schemeClr>
+            </a:solidFill>
+            <a:ln>
+              <a:solidFill>
+                <a:schemeClr val="tx1"/>
+              </a:solidFill>
+              <a:miter lim="800000"/>
+            </a:ln>
+          </p:spPr>
+          <p:style>
+            <a:lnRef idx="1">
+              <a:schemeClr val="accent1"/>
+            </a:lnRef>
+            <a:fillRef idx="0">
+              <a:schemeClr val="accent1"/>
+            </a:fillRef>
+            <a:effectRef idx="0">
+              <a:schemeClr val="accent1"/>
+            </a:effectRef>
+            <a:fontRef idx="minor">
+              <a:schemeClr val="tx1"/>
+            </a:fontRef>
+          </p:style>
+        </p:cxnSp>
+      </p:grpSp>
+      <p:sp>
+        <p:nvSpPr>
           <p:cNvPr id="2" name="Title 1"/>
           <p:cNvSpPr>
             <a:spLocks noGrp="1"/>
@@ -848,15 +1511,31 @@
         </p:nvSpPr>
         <p:spPr>
           <a:xfrm>
-            <a:off x="221069" y="583370"/>
-            <a:ext cx="2794576" cy="973364"/>
-          </a:xfrm>
-        </p:spPr>
-        <p:txBody>
-          <a:bodyPr anchor="b"/>
+            <a:off x="415541" y="714586"/>
+            <a:ext cx="2410625" cy="882951"/>
+          </a:xfrm>
+        </p:spPr>
+        <p:txBody>
+          <a:bodyPr anchor="ctr">
+            <a:noAutofit/>
+          </a:bodyPr>
           <a:lstStyle>
-            <a:lvl1pPr>
-              <a:defRPr sz="2047"/>
+            <a:lvl1pPr algn="ctr">
+              <a:lnSpc>
+                <a:spcPct val="83000"/>
+              </a:lnSpc>
+              <a:defRPr lang="en-US" sz="2115" kern="1200" cap="all" spc="-34" baseline="0" dirty="0">
+                <a:solidFill>
+                  <a:schemeClr val="tx1">
+                    <a:lumMod val="85000"/>
+                    <a:lumOff val="15000"/>
+                  </a:schemeClr>
+                </a:solidFill>
+                <a:effectLst/>
+                <a:latin typeface="+mj-lt"/>
+                <a:ea typeface="+mn-ea"/>
+                <a:cs typeface="+mn-cs"/>
+              </a:defRPr>
             </a:lvl1pPr>
           </a:lstStyle>
           <a:p>
@@ -880,24 +1559,27 @@
         </p:nvSpPr>
         <p:spPr>
           <a:xfrm>
-            <a:off x="221069" y="1565942"/>
-            <a:ext cx="2794576" cy="511869"/>
-          </a:xfrm>
-        </p:spPr>
-        <p:txBody>
-          <a:bodyPr/>
+            <a:off x="415542" y="1597537"/>
+            <a:ext cx="2410625" cy="171598"/>
+          </a:xfrm>
+        </p:spPr>
+        <p:txBody>
+          <a:bodyPr anchor="t">
+            <a:normAutofit/>
+          </a:bodyPr>
           <a:lstStyle>
-            <a:lvl1pPr marL="0" indent="0">
-              <a:buNone/>
-              <a:defRPr sz="819">
+            <a:lvl1pPr marL="0" indent="0" algn="ctr">
+              <a:buNone/>
+              <a:defRPr sz="478">
                 <a:solidFill>
                   <a:schemeClr val="tx1"/>
                 </a:solidFill>
+                <a:effectLst/>
               </a:defRPr>
             </a:lvl1pPr>
             <a:lvl2pPr marL="155997" indent="0">
               <a:buNone/>
-              <a:defRPr sz="682">
+              <a:defRPr sz="478">
                 <a:solidFill>
                   <a:schemeClr val="tx1">
                     <a:tint val="75000"/>
@@ -907,7 +1589,7 @@
             </a:lvl2pPr>
             <a:lvl3pPr marL="311993" indent="0">
               <a:buNone/>
-              <a:defRPr sz="614">
+              <a:defRPr sz="478">
                 <a:solidFill>
                   <a:schemeClr val="tx1">
                     <a:tint val="75000"/>
@@ -917,7 +1599,7 @@
             </a:lvl3pPr>
             <a:lvl4pPr marL="467990" indent="0">
               <a:buNone/>
-              <a:defRPr sz="546">
+              <a:defRPr sz="478">
                 <a:solidFill>
                   <a:schemeClr val="tx1">
                     <a:tint val="75000"/>
@@ -927,7 +1609,7 @@
             </a:lvl4pPr>
             <a:lvl5pPr marL="623987" indent="0">
               <a:buNone/>
-              <a:defRPr sz="546">
+              <a:defRPr sz="478">
                 <a:solidFill>
                   <a:schemeClr val="tx1">
                     <a:tint val="75000"/>
@@ -937,7 +1619,7 @@
             </a:lvl5pPr>
             <a:lvl6pPr marL="779983" indent="0">
               <a:buNone/>
-              <a:defRPr sz="546">
+              <a:defRPr sz="478">
                 <a:solidFill>
                   <a:schemeClr val="tx1">
                     <a:tint val="75000"/>
@@ -947,7 +1629,7 @@
             </a:lvl6pPr>
             <a:lvl7pPr marL="935980" indent="0">
               <a:buNone/>
-              <a:defRPr sz="546">
+              <a:defRPr sz="478">
                 <a:solidFill>
                   <a:schemeClr val="tx1">
                     <a:tint val="75000"/>
@@ -957,7 +1639,7 @@
             </a:lvl7pPr>
             <a:lvl8pPr marL="1091976" indent="0">
               <a:buNone/>
-              <a:defRPr sz="546">
+              <a:defRPr sz="478">
                 <a:solidFill>
                   <a:schemeClr val="tx1">
                     <a:tint val="75000"/>
@@ -967,7 +1649,7 @@
             </a:lvl8pPr>
             <a:lvl9pPr marL="1247973" indent="0">
               <a:buNone/>
-              <a:defRPr sz="546">
+              <a:defRPr sz="478">
                 <a:solidFill>
                   <a:schemeClr val="tx1">
                     <a:tint val="75000"/>
@@ -995,70 +1677,100 @@
             <p:ph type="dt" sz="half" idx="10"/>
           </p:nvPr>
         </p:nvSpPr>
-        <p:spPr/>
+        <p:spPr>
+          <a:xfrm>
+            <a:off x="1393238" y="452395"/>
+            <a:ext cx="453612" cy="155998"/>
+          </a:xfrm>
+        </p:spPr>
+        <p:txBody>
+          <a:bodyPr/>
+          <a:lstStyle>
+            <a:lvl1pPr algn="ctr">
+              <a:defRPr lang="en-US" sz="375" kern="1200" spc="0" baseline="0">
+                <a:solidFill>
+                  <a:schemeClr val="tx1"/>
+                </a:solidFill>
+                <a:latin typeface="+mn-lt"/>
+                <a:ea typeface="+mn-ea"/>
+                <a:cs typeface="+mn-cs"/>
+              </a:defRPr>
+            </a:lvl1pPr>
+          </a:lstStyle>
+          <a:p>
+            <a:fld id="{D9C646AA-F36E-4540-911D-FFFC0A0EF24A}" type="datetime1">
+              <a:rPr lang="en-US" smtClean="0"/>
+              <a:t>6/12/2020</a:t>
+            </a:fld>
+            <a:endParaRPr lang="en-US" dirty="0"/>
+          </a:p>
+        </p:txBody>
+      </p:sp>
+      <p:sp>
+        <p:nvSpPr>
+          <p:cNvPr id="5" name="Footer Placeholder 4"/>
+          <p:cNvSpPr>
+            <a:spLocks noGrp="1"/>
+          </p:cNvSpPr>
+          <p:nvPr>
+            <p:ph type="ftr" sz="quarter" idx="11"/>
+          </p:nvPr>
+        </p:nvSpPr>
+        <p:spPr>
+          <a:xfrm>
+            <a:off x="391432" y="1778033"/>
+            <a:ext cx="1569823" cy="77999"/>
+          </a:xfrm>
+        </p:spPr>
+        <p:txBody>
+          <a:bodyPr/>
+          <a:lstStyle>
+            <a:lvl1pPr algn="l">
+              <a:defRPr/>
+            </a:lvl1pPr>
+          </a:lstStyle>
+          <a:p>
+            <a:endParaRPr lang="en-US" dirty="0"/>
+          </a:p>
+        </p:txBody>
+      </p:sp>
+      <p:sp>
+        <p:nvSpPr>
+          <p:cNvPr id="6" name="Slide Number Placeholder 5"/>
+          <p:cNvSpPr>
+            <a:spLocks noGrp="1"/>
+          </p:cNvSpPr>
+          <p:nvPr>
+            <p:ph type="sldNum" sz="quarter" idx="12"/>
+          </p:nvPr>
+        </p:nvSpPr>
+        <p:spPr>
+          <a:xfrm>
+            <a:off x="2286692" y="1778033"/>
+            <a:ext cx="561345" cy="77999"/>
+          </a:xfrm>
+        </p:spPr>
         <p:txBody>
           <a:bodyPr/>
           <a:lstStyle/>
           <a:p>
-            <a:fld id="{15674EA1-EAE9-41CA-9396-79C0A4E3A536}" type="datetimeFigureOut">
-              <a:rPr lang="en-CA" smtClean="0"/>
-              <a:t>2020-06-06</a:t>
-            </a:fld>
-            <a:endParaRPr lang="en-CA"/>
-          </a:p>
-        </p:txBody>
-      </p:sp>
-      <p:sp>
-        <p:nvSpPr>
-          <p:cNvPr id="5" name="Footer Placeholder 4"/>
-          <p:cNvSpPr>
-            <a:spLocks noGrp="1"/>
-          </p:cNvSpPr>
-          <p:nvPr>
-            <p:ph type="ftr" sz="quarter" idx="11"/>
-          </p:nvPr>
-        </p:nvSpPr>
-        <p:spPr/>
-        <p:txBody>
-          <a:bodyPr/>
-          <a:lstStyle/>
-          <a:p>
-            <a:endParaRPr lang="en-CA"/>
-          </a:p>
-        </p:txBody>
-      </p:sp>
-      <p:sp>
-        <p:nvSpPr>
-          <p:cNvPr id="6" name="Slide Number Placeholder 5"/>
-          <p:cNvSpPr>
-            <a:spLocks noGrp="1"/>
-          </p:cNvSpPr>
-          <p:nvPr>
-            <p:ph type="sldNum" sz="quarter" idx="12"/>
-          </p:nvPr>
-        </p:nvSpPr>
-        <p:spPr/>
-        <p:txBody>
-          <a:bodyPr/>
-          <a:lstStyle/>
-          <a:p>
-            <a:fld id="{103160D4-6CE2-4A60-B605-2B6396BBC775}" type="slidenum">
-              <a:rPr lang="en-CA" smtClean="0"/>
+            <a:fld id="{34B7E4EF-A1BD-40F4-AB7B-04F084DD991D}" type="slidenum">
+              <a:rPr lang="en-US" smtClean="0"/>
               <a:t>‹#›</a:t>
             </a:fld>
-            <a:endParaRPr lang="en-CA"/>
+            <a:endParaRPr lang="en-US" dirty="0"/>
           </a:p>
         </p:txBody>
       </p:sp>
     </p:spTree>
     <p:extLst>
       <p:ext uri="{BB962C8B-B14F-4D97-AF65-F5344CB8AC3E}">
-        <p14:creationId xmlns:p14="http://schemas.microsoft.com/office/powerpoint/2010/main" val="1225788476"/>
+        <p14:creationId xmlns:p14="http://schemas.microsoft.com/office/powerpoint/2010/main" val="1923162637"/>
       </p:ext>
     </p:extLst>
   </p:cSld>
   <p:clrMapOvr>
-    <a:masterClrMapping/>
+    <a:overrideClrMapping bg1="lt1" tx1="dk1" bg2="lt2" tx2="dk2" accent1="accent1" accent2="accent2" accent3="accent3" accent4="accent4" accent5="accent5" accent6="accent6" hlink="hlink" folHlink="folHlink"/>
   </p:clrMapOvr>
 </p:sldLayout>
 </file>
@@ -1115,116 +1827,214 @@
         </p:nvSpPr>
         <p:spPr>
           <a:xfrm>
-            <a:off x="222756" y="622910"/>
-            <a:ext cx="1377037" cy="1484693"/>
-          </a:xfrm>
-        </p:spPr>
+            <a:off x="259207" y="717592"/>
+            <a:ext cx="1296035" cy="1341586"/>
+          </a:xfrm>
+        </p:spPr>
+        <p:txBody>
+          <a:bodyPr/>
+          <a:lstStyle>
+            <a:lvl1pPr>
+              <a:defRPr sz="614"/>
+            </a:lvl1pPr>
+            <a:lvl2pPr>
+              <a:defRPr sz="546"/>
+            </a:lvl2pPr>
+            <a:lvl3pPr>
+              <a:defRPr sz="478"/>
+            </a:lvl3pPr>
+            <a:lvl4pPr>
+              <a:defRPr sz="478"/>
+            </a:lvl4pPr>
+            <a:lvl5pPr>
+              <a:defRPr sz="478"/>
+            </a:lvl5pPr>
+            <a:lvl6pPr>
+              <a:defRPr sz="478"/>
+            </a:lvl6pPr>
+            <a:lvl7pPr>
+              <a:defRPr sz="478"/>
+            </a:lvl7pPr>
+            <a:lvl8pPr>
+              <a:defRPr sz="478"/>
+            </a:lvl8pPr>
+            <a:lvl9pPr>
+              <a:defRPr sz="478"/>
+            </a:lvl9pPr>
+          </a:lstStyle>
+          <a:p>
+            <a:pPr lvl="0"/>
+            <a:r>
+              <a:rPr lang="en-US"/>
+              <a:t>Click to edit Master text styles</a:t>
+            </a:r>
+          </a:p>
+          <a:p>
+            <a:pPr lvl="1"/>
+            <a:r>
+              <a:rPr lang="en-US"/>
+              <a:t>Second level</a:t>
+            </a:r>
+          </a:p>
+          <a:p>
+            <a:pPr lvl="2"/>
+            <a:r>
+              <a:rPr lang="en-US"/>
+              <a:t>Third level</a:t>
+            </a:r>
+          </a:p>
+          <a:p>
+            <a:pPr lvl="3"/>
+            <a:r>
+              <a:rPr lang="en-US"/>
+              <a:t>Fourth level</a:t>
+            </a:r>
+          </a:p>
+          <a:p>
+            <a:pPr lvl="4"/>
+            <a:r>
+              <a:rPr lang="en-US"/>
+              <a:t>Fifth level</a:t>
+            </a:r>
+            <a:endParaRPr lang="en-US" dirty="0"/>
+          </a:p>
+        </p:txBody>
+      </p:sp>
+      <p:sp>
+        <p:nvSpPr>
+          <p:cNvPr id="4" name="Content Placeholder 3"/>
+          <p:cNvSpPr>
+            <a:spLocks noGrp="1"/>
+          </p:cNvSpPr>
+          <p:nvPr>
+            <p:ph sz="half" idx="2"/>
+          </p:nvPr>
+        </p:nvSpPr>
+        <p:spPr>
+          <a:xfrm>
+            <a:off x="1684846" y="717592"/>
+            <a:ext cx="1296035" cy="1341586"/>
+          </a:xfrm>
+        </p:spPr>
+        <p:txBody>
+          <a:bodyPr/>
+          <a:lstStyle>
+            <a:lvl1pPr>
+              <a:defRPr sz="614"/>
+            </a:lvl1pPr>
+            <a:lvl2pPr>
+              <a:defRPr sz="546"/>
+            </a:lvl2pPr>
+            <a:lvl3pPr>
+              <a:defRPr sz="478"/>
+            </a:lvl3pPr>
+            <a:lvl4pPr>
+              <a:defRPr sz="478"/>
+            </a:lvl4pPr>
+            <a:lvl5pPr>
+              <a:defRPr sz="478"/>
+            </a:lvl5pPr>
+            <a:lvl6pPr>
+              <a:defRPr sz="478"/>
+            </a:lvl6pPr>
+            <a:lvl7pPr>
+              <a:defRPr sz="478"/>
+            </a:lvl7pPr>
+            <a:lvl8pPr>
+              <a:defRPr sz="478"/>
+            </a:lvl8pPr>
+            <a:lvl9pPr>
+              <a:defRPr sz="478"/>
+            </a:lvl9pPr>
+          </a:lstStyle>
+          <a:p>
+            <a:pPr lvl="0"/>
+            <a:r>
+              <a:rPr lang="en-US"/>
+              <a:t>Click to edit Master text styles</a:t>
+            </a:r>
+          </a:p>
+          <a:p>
+            <a:pPr lvl="1"/>
+            <a:r>
+              <a:rPr lang="en-US"/>
+              <a:t>Second level</a:t>
+            </a:r>
+          </a:p>
+          <a:p>
+            <a:pPr lvl="2"/>
+            <a:r>
+              <a:rPr lang="en-US"/>
+              <a:t>Third level</a:t>
+            </a:r>
+          </a:p>
+          <a:p>
+            <a:pPr lvl="3"/>
+            <a:r>
+              <a:rPr lang="en-US"/>
+              <a:t>Fourth level</a:t>
+            </a:r>
+          </a:p>
+          <a:p>
+            <a:pPr lvl="4"/>
+            <a:r>
+              <a:rPr lang="en-US"/>
+              <a:t>Fifth level</a:t>
+            </a:r>
+            <a:endParaRPr lang="en-US" dirty="0"/>
+          </a:p>
+        </p:txBody>
+      </p:sp>
+      <p:sp>
+        <p:nvSpPr>
+          <p:cNvPr id="5" name="Date Placeholder 4"/>
+          <p:cNvSpPr>
+            <a:spLocks noGrp="1"/>
+          </p:cNvSpPr>
+          <p:nvPr>
+            <p:ph type="dt" sz="half" idx="10"/>
+          </p:nvPr>
+        </p:nvSpPr>
+        <p:spPr/>
         <p:txBody>
           <a:bodyPr/>
           <a:lstStyle/>
           <a:p>
-            <a:pPr lvl="0"/>
-            <a:r>
-              <a:rPr lang="en-US"/>
-              <a:t>Click to edit Master text styles</a:t>
-            </a:r>
-          </a:p>
-          <a:p>
-            <a:pPr lvl="1"/>
-            <a:r>
-              <a:rPr lang="en-US"/>
-              <a:t>Second level</a:t>
-            </a:r>
-          </a:p>
-          <a:p>
-            <a:pPr lvl="2"/>
-            <a:r>
-              <a:rPr lang="en-US"/>
-              <a:t>Third level</a:t>
-            </a:r>
-          </a:p>
-          <a:p>
-            <a:pPr lvl="3"/>
-            <a:r>
-              <a:rPr lang="en-US"/>
-              <a:t>Fourth level</a:t>
-            </a:r>
-          </a:p>
-          <a:p>
-            <a:pPr lvl="4"/>
-            <a:r>
-              <a:rPr lang="en-US"/>
-              <a:t>Fifth level</a:t>
-            </a:r>
-            <a:endParaRPr lang="en-US" dirty="0"/>
-          </a:p>
-        </p:txBody>
-      </p:sp>
-      <p:sp>
-        <p:nvSpPr>
-          <p:cNvPr id="4" name="Content Placeholder 3"/>
-          <p:cNvSpPr>
-            <a:spLocks noGrp="1"/>
-          </p:cNvSpPr>
-          <p:nvPr>
-            <p:ph sz="half" idx="2"/>
-          </p:nvPr>
-        </p:nvSpPr>
-        <p:spPr>
-          <a:xfrm>
-            <a:off x="1640295" y="622910"/>
-            <a:ext cx="1377037" cy="1484693"/>
-          </a:xfrm>
-        </p:spPr>
+            <a:fld id="{F6FA2B21-3FCD-4721-B95C-427943F61125}" type="datetime1">
+              <a:rPr lang="en-US" smtClean="0"/>
+              <a:t>6/12/2020</a:t>
+            </a:fld>
+            <a:endParaRPr lang="en-US"/>
+          </a:p>
+        </p:txBody>
+      </p:sp>
+      <p:sp>
+        <p:nvSpPr>
+          <p:cNvPr id="6" name="Footer Placeholder 5"/>
+          <p:cNvSpPr>
+            <a:spLocks noGrp="1"/>
+          </p:cNvSpPr>
+          <p:nvPr>
+            <p:ph type="ftr" sz="quarter" idx="11"/>
+          </p:nvPr>
+        </p:nvSpPr>
+        <p:spPr/>
         <p:txBody>
           <a:bodyPr/>
           <a:lstStyle/>
           <a:p>
-            <a:pPr lvl="0"/>
-            <a:r>
-              <a:rPr lang="en-US"/>
-              <a:t>Click to edit Master text styles</a:t>
-            </a:r>
-          </a:p>
-          <a:p>
-            <a:pPr lvl="1"/>
-            <a:r>
-              <a:rPr lang="en-US"/>
-              <a:t>Second level</a:t>
-            </a:r>
-          </a:p>
-          <a:p>
-            <a:pPr lvl="2"/>
-            <a:r>
-              <a:rPr lang="en-US"/>
-              <a:t>Third level</a:t>
-            </a:r>
-          </a:p>
-          <a:p>
-            <a:pPr lvl="3"/>
-            <a:r>
-              <a:rPr lang="en-US"/>
-              <a:t>Fourth level</a:t>
-            </a:r>
-          </a:p>
-          <a:p>
-            <a:pPr lvl="4"/>
-            <a:r>
-              <a:rPr lang="en-US"/>
-              <a:t>Fifth level</a:t>
-            </a:r>
             <a:endParaRPr lang="en-US" dirty="0"/>
           </a:p>
         </p:txBody>
       </p:sp>
       <p:sp>
         <p:nvSpPr>
-          <p:cNvPr id="5" name="Date Placeholder 4"/>
-          <p:cNvSpPr>
-            <a:spLocks noGrp="1"/>
-          </p:cNvSpPr>
-          <p:nvPr>
-            <p:ph type="dt" sz="half" idx="10"/>
+          <p:cNvPr id="7" name="Slide Number Placeholder 6"/>
+          <p:cNvSpPr>
+            <a:spLocks noGrp="1"/>
+          </p:cNvSpPr>
+          <p:nvPr>
+            <p:ph type="sldNum" sz="quarter" idx="12"/>
           </p:nvPr>
         </p:nvSpPr>
         <p:spPr/>
@@ -1232,66 +2042,25 @@
           <a:bodyPr/>
           <a:lstStyle/>
           <a:p>
-            <a:fld id="{15674EA1-EAE9-41CA-9396-79C0A4E3A536}" type="datetimeFigureOut">
-              <a:rPr lang="en-CA" smtClean="0"/>
-              <a:t>2020-06-06</a:t>
-            </a:fld>
-            <a:endParaRPr lang="en-CA"/>
-          </a:p>
-        </p:txBody>
-      </p:sp>
-      <p:sp>
-        <p:nvSpPr>
-          <p:cNvPr id="6" name="Footer Placeholder 5"/>
-          <p:cNvSpPr>
-            <a:spLocks noGrp="1"/>
-          </p:cNvSpPr>
-          <p:nvPr>
-            <p:ph type="ftr" sz="quarter" idx="11"/>
-          </p:nvPr>
-        </p:nvSpPr>
-        <p:spPr/>
-        <p:txBody>
-          <a:bodyPr/>
-          <a:lstStyle/>
-          <a:p>
-            <a:endParaRPr lang="en-CA"/>
-          </a:p>
-        </p:txBody>
-      </p:sp>
-      <p:sp>
-        <p:nvSpPr>
-          <p:cNvPr id="7" name="Slide Number Placeholder 6"/>
-          <p:cNvSpPr>
-            <a:spLocks noGrp="1"/>
-          </p:cNvSpPr>
-          <p:nvPr>
-            <p:ph type="sldNum" sz="quarter" idx="12"/>
-          </p:nvPr>
-        </p:nvSpPr>
-        <p:spPr/>
-        <p:txBody>
-          <a:bodyPr/>
-          <a:lstStyle/>
-          <a:p>
-            <a:fld id="{103160D4-6CE2-4A60-B605-2B6396BBC775}" type="slidenum">
-              <a:rPr lang="en-CA" smtClean="0"/>
+            <a:fld id="{34B7E4EF-A1BD-40F4-AB7B-04F084DD991D}" type="slidenum">
+              <a:rPr lang="en-US" smtClean="0"/>
               <a:t>‹#›</a:t>
             </a:fld>
-            <a:endParaRPr lang="en-CA"/>
+            <a:endParaRPr lang="en-US"/>
           </a:p>
         </p:txBody>
       </p:sp>
     </p:spTree>
     <p:extLst>
       <p:ext uri="{BB962C8B-B14F-4D97-AF65-F5344CB8AC3E}">
-        <p14:creationId xmlns:p14="http://schemas.microsoft.com/office/powerpoint/2010/main" val="97002859"/>
+        <p14:creationId xmlns:p14="http://schemas.microsoft.com/office/powerpoint/2010/main" val="1970160236"/>
       </p:ext>
     </p:extLst>
   </p:cSld>
   <p:clrMapOvr>
     <a:masterClrMapping/>
   </p:clrMapOvr>
+  <p:hf sldNum="0" hdr="0" ftr="0" dt="0"/>
 </p:sldLayout>
 </file>
 
@@ -1322,12 +2091,7 @@
             <p:ph type="title"/>
           </p:nvPr>
         </p:nvSpPr>
-        <p:spPr>
-          <a:xfrm>
-            <a:off x="223178" y="124583"/>
-            <a:ext cx="2794576" cy="452287"/>
-          </a:xfrm>
-        </p:spPr>
+        <p:spPr/>
         <p:txBody>
           <a:bodyPr/>
           <a:lstStyle/>
@@ -1352,20 +2116,30 @@
         </p:nvSpPr>
         <p:spPr>
           <a:xfrm>
-            <a:off x="223178" y="573619"/>
-            <a:ext cx="1370709" cy="281122"/>
-          </a:xfrm>
-        </p:spPr>
-        <p:txBody>
-          <a:bodyPr anchor="b"/>
+            <a:off x="259207" y="707770"/>
+            <a:ext cx="1296035" cy="218398"/>
+          </a:xfrm>
+        </p:spPr>
+        <p:txBody>
+          <a:bodyPr anchor="ctr">
+            <a:normAutofit/>
+          </a:bodyPr>
           <a:lstStyle>
-            <a:lvl1pPr marL="0" indent="0">
-              <a:buNone/>
-              <a:defRPr sz="819" b="1"/>
+            <a:lvl1pPr marL="0" indent="0" algn="ctr">
+              <a:spcBef>
+                <a:spcPts val="0"/>
+              </a:spcBef>
+              <a:buNone/>
+              <a:defRPr sz="648" b="0">
+                <a:solidFill>
+                  <a:schemeClr val="tx2"/>
+                </a:solidFill>
+                <a:latin typeface="+mn-lt"/>
+              </a:defRPr>
             </a:lvl1pPr>
             <a:lvl2pPr marL="155997" indent="0">
               <a:buNone/>
-              <a:defRPr sz="682" b="1"/>
+              <a:defRPr sz="648" b="1"/>
             </a:lvl2pPr>
             <a:lvl3pPr marL="311993" indent="0">
               <a:buNone/>
@@ -1417,13 +2191,41 @@
         </p:nvSpPr>
         <p:spPr>
           <a:xfrm>
-            <a:off x="223178" y="854741"/>
-            <a:ext cx="1370709" cy="1257195"/>
+            <a:off x="259207" y="940323"/>
+            <a:ext cx="1296035" cy="1091988"/>
           </a:xfrm>
         </p:spPr>
         <p:txBody>
           <a:bodyPr/>
-          <a:lstStyle/>
+          <a:lstStyle>
+            <a:lvl1pPr>
+              <a:defRPr sz="614"/>
+            </a:lvl1pPr>
+            <a:lvl2pPr>
+              <a:defRPr sz="546"/>
+            </a:lvl2pPr>
+            <a:lvl3pPr>
+              <a:defRPr sz="478"/>
+            </a:lvl3pPr>
+            <a:lvl4pPr>
+              <a:defRPr sz="478"/>
+            </a:lvl4pPr>
+            <a:lvl5pPr>
+              <a:defRPr sz="478"/>
+            </a:lvl5pPr>
+            <a:lvl6pPr>
+              <a:defRPr sz="478"/>
+            </a:lvl6pPr>
+            <a:lvl7pPr>
+              <a:defRPr sz="478"/>
+            </a:lvl7pPr>
+            <a:lvl8pPr>
+              <a:defRPr sz="478"/>
+            </a:lvl8pPr>
+            <a:lvl9pPr>
+              <a:defRPr sz="478"/>
+            </a:lvl9pPr>
+          </a:lstStyle>
           <a:p>
             <a:pPr lvl="0"/>
             <a:r>
@@ -1474,20 +2276,29 @@
         </p:nvSpPr>
         <p:spPr>
           <a:xfrm>
-            <a:off x="1640295" y="573619"/>
-            <a:ext cx="1377459" cy="281122"/>
-          </a:xfrm>
-        </p:spPr>
-        <p:txBody>
-          <a:bodyPr anchor="b"/>
+            <a:off x="1684846" y="707770"/>
+            <a:ext cx="1296035" cy="218398"/>
+          </a:xfrm>
+        </p:spPr>
+        <p:txBody>
+          <a:bodyPr anchor="ctr">
+            <a:normAutofit/>
+          </a:bodyPr>
           <a:lstStyle>
-            <a:lvl1pPr marL="0" indent="0">
-              <a:buNone/>
-              <a:defRPr sz="819" b="1"/>
+            <a:lvl1pPr marL="0" indent="0" algn="ctr">
+              <a:spcBef>
+                <a:spcPts val="0"/>
+              </a:spcBef>
+              <a:buNone/>
+              <a:defRPr sz="648" b="0">
+                <a:solidFill>
+                  <a:schemeClr val="tx2"/>
+                </a:solidFill>
+              </a:defRPr>
             </a:lvl1pPr>
             <a:lvl2pPr marL="155997" indent="0">
               <a:buNone/>
-              <a:defRPr sz="682" b="1"/>
+              <a:defRPr sz="648" b="1"/>
             </a:lvl2pPr>
             <a:lvl3pPr marL="311993" indent="0">
               <a:buNone/>
@@ -1539,59 +2350,110 @@
         </p:nvSpPr>
         <p:spPr>
           <a:xfrm>
-            <a:off x="1640295" y="854741"/>
-            <a:ext cx="1377459" cy="1257195"/>
-          </a:xfrm>
-        </p:spPr>
+            <a:off x="1684846" y="940556"/>
+            <a:ext cx="1296035" cy="1091988"/>
+          </a:xfrm>
+        </p:spPr>
+        <p:txBody>
+          <a:bodyPr/>
+          <a:lstStyle>
+            <a:lvl1pPr>
+              <a:defRPr sz="614"/>
+            </a:lvl1pPr>
+            <a:lvl2pPr>
+              <a:defRPr sz="546"/>
+            </a:lvl2pPr>
+            <a:lvl3pPr>
+              <a:defRPr sz="478"/>
+            </a:lvl3pPr>
+            <a:lvl4pPr>
+              <a:defRPr sz="478"/>
+            </a:lvl4pPr>
+            <a:lvl5pPr>
+              <a:defRPr sz="478"/>
+            </a:lvl5pPr>
+            <a:lvl6pPr>
+              <a:defRPr sz="478"/>
+            </a:lvl6pPr>
+            <a:lvl7pPr>
+              <a:defRPr sz="478"/>
+            </a:lvl7pPr>
+            <a:lvl8pPr>
+              <a:defRPr sz="478"/>
+            </a:lvl8pPr>
+            <a:lvl9pPr>
+              <a:defRPr sz="478"/>
+            </a:lvl9pPr>
+          </a:lstStyle>
+          <a:p>
+            <a:pPr lvl="0"/>
+            <a:r>
+              <a:rPr lang="en-US"/>
+              <a:t>Click to edit Master text styles</a:t>
+            </a:r>
+          </a:p>
+          <a:p>
+            <a:pPr lvl="1"/>
+            <a:r>
+              <a:rPr lang="en-US"/>
+              <a:t>Second level</a:t>
+            </a:r>
+          </a:p>
+          <a:p>
+            <a:pPr lvl="2"/>
+            <a:r>
+              <a:rPr lang="en-US"/>
+              <a:t>Third level</a:t>
+            </a:r>
+          </a:p>
+          <a:p>
+            <a:pPr lvl="3"/>
+            <a:r>
+              <a:rPr lang="en-US"/>
+              <a:t>Fourth level</a:t>
+            </a:r>
+          </a:p>
+          <a:p>
+            <a:pPr lvl="4"/>
+            <a:r>
+              <a:rPr lang="en-US"/>
+              <a:t>Fifth level</a:t>
+            </a:r>
+            <a:endParaRPr lang="en-US" dirty="0"/>
+          </a:p>
+        </p:txBody>
+      </p:sp>
+      <p:sp>
+        <p:nvSpPr>
+          <p:cNvPr id="7" name="Date Placeholder 6"/>
+          <p:cNvSpPr>
+            <a:spLocks noGrp="1"/>
+          </p:cNvSpPr>
+          <p:nvPr>
+            <p:ph type="dt" sz="half" idx="10"/>
+          </p:nvPr>
+        </p:nvSpPr>
+        <p:spPr/>
         <p:txBody>
           <a:bodyPr/>
           <a:lstStyle/>
           <a:p>
-            <a:pPr lvl="0"/>
-            <a:r>
-              <a:rPr lang="en-US"/>
-              <a:t>Click to edit Master text styles</a:t>
-            </a:r>
-          </a:p>
-          <a:p>
-            <a:pPr lvl="1"/>
-            <a:r>
-              <a:rPr lang="en-US"/>
-              <a:t>Second level</a:t>
-            </a:r>
-          </a:p>
-          <a:p>
-            <a:pPr lvl="2"/>
-            <a:r>
-              <a:rPr lang="en-US"/>
-              <a:t>Third level</a:t>
-            </a:r>
-          </a:p>
-          <a:p>
-            <a:pPr lvl="3"/>
-            <a:r>
-              <a:rPr lang="en-US"/>
-              <a:t>Fourth level</a:t>
-            </a:r>
-          </a:p>
-          <a:p>
-            <a:pPr lvl="4"/>
-            <a:r>
-              <a:rPr lang="en-US"/>
-              <a:t>Fifth level</a:t>
-            </a:r>
-            <a:endParaRPr lang="en-US" dirty="0"/>
-          </a:p>
-        </p:txBody>
-      </p:sp>
-      <p:sp>
-        <p:nvSpPr>
-          <p:cNvPr id="7" name="Date Placeholder 6"/>
-          <p:cNvSpPr>
-            <a:spLocks noGrp="1"/>
-          </p:cNvSpPr>
-          <p:nvPr>
-            <p:ph type="dt" sz="half" idx="10"/>
+            <a:fld id="{8A7F15D8-96D1-4781-BC50-CA8A088B2FE4}" type="datetime1">
+              <a:rPr lang="en-US" smtClean="0"/>
+              <a:t>6/12/2020</a:t>
+            </a:fld>
+            <a:endParaRPr lang="en-US"/>
+          </a:p>
+        </p:txBody>
+      </p:sp>
+      <p:sp>
+        <p:nvSpPr>
+          <p:cNvPr id="8" name="Footer Placeholder 7"/>
+          <p:cNvSpPr>
+            <a:spLocks noGrp="1"/>
+          </p:cNvSpPr>
+          <p:nvPr>
+            <p:ph type="ftr" sz="quarter" idx="11"/>
           </p:nvPr>
         </p:nvSpPr>
         <p:spPr/>
@@ -1599,22 +2461,18 @@
           <a:bodyPr/>
           <a:lstStyle/>
           <a:p>
-            <a:fld id="{15674EA1-EAE9-41CA-9396-79C0A4E3A536}" type="datetimeFigureOut">
-              <a:rPr lang="en-CA" smtClean="0"/>
-              <a:t>2020-06-06</a:t>
-            </a:fld>
-            <a:endParaRPr lang="en-CA"/>
-          </a:p>
-        </p:txBody>
-      </p:sp>
-      <p:sp>
-        <p:nvSpPr>
-          <p:cNvPr id="8" name="Footer Placeholder 7"/>
-          <p:cNvSpPr>
-            <a:spLocks noGrp="1"/>
-          </p:cNvSpPr>
-          <p:nvPr>
-            <p:ph type="ftr" sz="quarter" idx="11"/>
+            <a:endParaRPr lang="en-US"/>
+          </a:p>
+        </p:txBody>
+      </p:sp>
+      <p:sp>
+        <p:nvSpPr>
+          <p:cNvPr id="9" name="Slide Number Placeholder 8"/>
+          <p:cNvSpPr>
+            <a:spLocks noGrp="1"/>
+          </p:cNvSpPr>
+          <p:nvPr>
+            <p:ph type="sldNum" sz="quarter" idx="12"/>
           </p:nvPr>
         </p:nvSpPr>
         <p:spPr/>
@@ -1622,37 +2480,18 @@
           <a:bodyPr/>
           <a:lstStyle/>
           <a:p>
-            <a:endParaRPr lang="en-CA"/>
-          </a:p>
-        </p:txBody>
-      </p:sp>
-      <p:sp>
-        <p:nvSpPr>
-          <p:cNvPr id="9" name="Slide Number Placeholder 8"/>
-          <p:cNvSpPr>
-            <a:spLocks noGrp="1"/>
-          </p:cNvSpPr>
-          <p:nvPr>
-            <p:ph type="sldNum" sz="quarter" idx="12"/>
-          </p:nvPr>
-        </p:nvSpPr>
-        <p:spPr/>
-        <p:txBody>
-          <a:bodyPr/>
-          <a:lstStyle/>
-          <a:p>
-            <a:fld id="{103160D4-6CE2-4A60-B605-2B6396BBC775}" type="slidenum">
-              <a:rPr lang="en-CA" smtClean="0"/>
+            <a:fld id="{34B7E4EF-A1BD-40F4-AB7B-04F084DD991D}" type="slidenum">
+              <a:rPr lang="en-US" smtClean="0"/>
               <a:t>‹#›</a:t>
             </a:fld>
-            <a:endParaRPr lang="en-CA"/>
+            <a:endParaRPr lang="en-US"/>
           </a:p>
         </p:txBody>
       </p:sp>
     </p:spTree>
     <p:extLst>
       <p:ext uri="{BB962C8B-B14F-4D97-AF65-F5344CB8AC3E}">
-        <p14:creationId xmlns:p14="http://schemas.microsoft.com/office/powerpoint/2010/main" val="2041009689"/>
+        <p14:creationId xmlns:p14="http://schemas.microsoft.com/office/powerpoint/2010/main" val="595239977"/>
       </p:ext>
     </p:extLst>
   </p:cSld>
@@ -1717,11 +2556,11 @@
           <a:bodyPr/>
           <a:lstStyle/>
           <a:p>
-            <a:fld id="{15674EA1-EAE9-41CA-9396-79C0A4E3A536}" type="datetimeFigureOut">
-              <a:rPr lang="en-CA" smtClean="0"/>
-              <a:t>2020-06-06</a:t>
+            <a:fld id="{F9A96C99-B8F8-4528-BD05-0E16E943DC09}" type="datetime1">
+              <a:rPr lang="en-US" smtClean="0"/>
+              <a:t>6/12/2020</a:t>
             </a:fld>
-            <a:endParaRPr lang="en-CA"/>
+            <a:endParaRPr lang="en-US"/>
           </a:p>
         </p:txBody>
       </p:sp>
@@ -1740,7 +2579,7 @@
           <a:bodyPr/>
           <a:lstStyle/>
           <a:p>
-            <a:endParaRPr lang="en-CA"/>
+            <a:endParaRPr lang="en-US"/>
           </a:p>
         </p:txBody>
       </p:sp>
@@ -1759,18 +2598,18 @@
           <a:bodyPr/>
           <a:lstStyle/>
           <a:p>
-            <a:fld id="{103160D4-6CE2-4A60-B605-2B6396BBC775}" type="slidenum">
-              <a:rPr lang="en-CA" smtClean="0"/>
+            <a:fld id="{34B7E4EF-A1BD-40F4-AB7B-04F084DD991D}" type="slidenum">
+              <a:rPr lang="en-US" smtClean="0"/>
               <a:t>‹#›</a:t>
             </a:fld>
-            <a:endParaRPr lang="en-CA"/>
+            <a:endParaRPr lang="en-US"/>
           </a:p>
         </p:txBody>
       </p:sp>
     </p:spTree>
     <p:extLst>
       <p:ext uri="{BB962C8B-B14F-4D97-AF65-F5344CB8AC3E}">
-        <p14:creationId xmlns:p14="http://schemas.microsoft.com/office/powerpoint/2010/main" val="1523136470"/>
+        <p14:creationId xmlns:p14="http://schemas.microsoft.com/office/powerpoint/2010/main" val="3922790742"/>
       </p:ext>
     </p:extLst>
   </p:cSld>
@@ -1812,11 +2651,11 @@
           <a:bodyPr/>
           <a:lstStyle/>
           <a:p>
-            <a:fld id="{15674EA1-EAE9-41CA-9396-79C0A4E3A536}" type="datetimeFigureOut">
-              <a:rPr lang="en-CA" smtClean="0"/>
-              <a:t>2020-06-06</a:t>
+            <a:fld id="{03636942-C211-4B28-8DBD-C953E00AF71B}" type="datetime1">
+              <a:rPr lang="en-US" smtClean="0"/>
+              <a:t>6/12/2020</a:t>
             </a:fld>
-            <a:endParaRPr lang="en-CA"/>
+            <a:endParaRPr lang="en-US"/>
           </a:p>
         </p:txBody>
       </p:sp>
@@ -1835,7 +2674,7 @@
           <a:bodyPr/>
           <a:lstStyle/>
           <a:p>
-            <a:endParaRPr lang="en-CA"/>
+            <a:endParaRPr lang="en-US"/>
           </a:p>
         </p:txBody>
       </p:sp>
@@ -1854,18 +2693,18 @@
           <a:bodyPr/>
           <a:lstStyle/>
           <a:p>
-            <a:fld id="{103160D4-6CE2-4A60-B605-2B6396BBC775}" type="slidenum">
-              <a:rPr lang="en-CA" smtClean="0"/>
+            <a:fld id="{34B7E4EF-A1BD-40F4-AB7B-04F084DD991D}" type="slidenum">
+              <a:rPr lang="en-US" smtClean="0"/>
               <a:t>‹#›</a:t>
             </a:fld>
-            <a:endParaRPr lang="en-CA"/>
+            <a:endParaRPr lang="en-US"/>
           </a:p>
         </p:txBody>
       </p:sp>
     </p:spTree>
     <p:extLst>
       <p:ext uri="{BB962C8B-B14F-4D97-AF65-F5344CB8AC3E}">
-        <p14:creationId xmlns:p14="http://schemas.microsoft.com/office/powerpoint/2010/main" val="25073042"/>
+        <p14:creationId xmlns:p14="http://schemas.microsoft.com/office/powerpoint/2010/main" val="302597376"/>
       </p:ext>
     </p:extLst>
   </p:cSld>
@@ -1876,7 +2715,7 @@
 </file>
 
 <file path=ppt/slideLayouts/slideLayout8.xml><?xml version="1.0" encoding="utf-8"?>
-<p:sldLayout xmlns:a="http://schemas.openxmlformats.org/drawingml/2006/main" xmlns:r="http://schemas.openxmlformats.org/officeDocument/2006/relationships" xmlns:p="http://schemas.openxmlformats.org/presentationml/2006/main" type="objTx" preserve="1">
+<p:sldLayout xmlns:a="http://schemas.openxmlformats.org/drawingml/2006/main" xmlns:r="http://schemas.openxmlformats.org/officeDocument/2006/relationships" xmlns:p="http://schemas.openxmlformats.org/presentationml/2006/main" showMasterSp="0" type="objTx" preserve="1">
   <p:cSld name="Content with Caption">
     <p:spTree>
       <p:nvGrpSpPr>
@@ -1894,6 +2733,82 @@
       </p:grpSpPr>
       <p:sp>
         <p:nvSpPr>
+          <p:cNvPr id="16" name="Rectangle 15"/>
+          <p:cNvSpPr/>
+          <p:nvPr/>
+        </p:nvSpPr>
+        <p:spPr>
+          <a:xfrm>
+            <a:off x="65250" y="59280"/>
+            <a:ext cx="2267252" cy="2221416"/>
+          </a:xfrm>
+          <a:prstGeom prst="rect">
+            <a:avLst/>
+          </a:prstGeom>
+          <a:solidFill>
+            <a:schemeClr val="bg2"/>
+          </a:solidFill>
+          <a:ln>
+            <a:noFill/>
+          </a:ln>
+        </p:spPr>
+        <p:style>
+          <a:lnRef idx="2">
+            <a:schemeClr val="accent1">
+              <a:shade val="50000"/>
+            </a:schemeClr>
+          </a:lnRef>
+          <a:fillRef idx="1">
+            <a:schemeClr val="accent1"/>
+          </a:fillRef>
+          <a:effectRef idx="0">
+            <a:schemeClr val="accent1"/>
+          </a:effectRef>
+          <a:fontRef idx="minor">
+            <a:schemeClr val="lt1"/>
+          </a:fontRef>
+        </p:style>
+      </p:sp>
+      <p:sp>
+        <p:nvSpPr>
+          <p:cNvPr id="15" name="Rectangle 14"/>
+          <p:cNvSpPr/>
+          <p:nvPr/>
+        </p:nvSpPr>
+        <p:spPr>
+          <a:xfrm>
+            <a:off x="2397215" y="59280"/>
+            <a:ext cx="777621" cy="2221416"/>
+          </a:xfrm>
+          <a:prstGeom prst="rect">
+            <a:avLst/>
+          </a:prstGeom>
+          <a:solidFill>
+            <a:schemeClr val="accent1"/>
+          </a:solidFill>
+          <a:ln>
+            <a:noFill/>
+          </a:ln>
+        </p:spPr>
+        <p:style>
+          <a:lnRef idx="2">
+            <a:schemeClr val="accent1">
+              <a:shade val="50000"/>
+            </a:schemeClr>
+          </a:lnRef>
+          <a:fillRef idx="1">
+            <a:schemeClr val="accent1"/>
+          </a:fillRef>
+          <a:effectRef idx="0">
+            <a:schemeClr val="accent1"/>
+          </a:effectRef>
+          <a:fontRef idx="minor">
+            <a:schemeClr val="lt1"/>
+          </a:fontRef>
+        </p:style>
+      </p:sp>
+      <p:sp>
+        <p:nvSpPr>
           <p:cNvPr id="2" name="Title 1"/>
           <p:cNvSpPr>
             <a:spLocks noGrp="1"/>
@@ -1904,15 +2819,32 @@
         </p:nvSpPr>
         <p:spPr>
           <a:xfrm>
-            <a:off x="223178" y="155998"/>
-            <a:ext cx="1045013" cy="545994"/>
-          </a:xfrm>
-        </p:spPr>
-        <p:txBody>
-          <a:bodyPr anchor="b"/>
+            <a:off x="2470567" y="207244"/>
+            <a:ext cx="645993" cy="561594"/>
+          </a:xfrm>
+        </p:spPr>
+        <p:txBody>
+          <a:bodyPr anchor="b">
+            <a:normAutofit/>
+          </a:bodyPr>
           <a:lstStyle>
-            <a:lvl1pPr>
-              <a:defRPr sz="1092"/>
+            <a:lvl1pPr algn="l" defTabSz="311993" rtl="0" eaLnBrk="1" latinLnBrk="0" hangingPunct="1">
+              <a:lnSpc>
+                <a:spcPct val="90000"/>
+              </a:lnSpc>
+              <a:spcBef>
+                <a:spcPct val="0"/>
+              </a:spcBef>
+              <a:buNone/>
+              <a:defRPr lang="en-US" sz="819" b="0" kern="1200" cap="none" spc="0" baseline="0" dirty="0">
+                <a:solidFill>
+                  <a:srgbClr val="FFFFFF"/>
+                </a:solidFill>
+                <a:effectLst/>
+                <a:latin typeface="+mj-lt"/>
+                <a:ea typeface="+mn-ea"/>
+                <a:cs typeface="+mn-cs"/>
+              </a:defRPr>
             </a:lvl1pPr>
           </a:lstStyle>
           <a:p>
@@ -1936,39 +2868,39 @@
         </p:nvSpPr>
         <p:spPr>
           <a:xfrm>
-            <a:off x="1377459" y="336914"/>
-            <a:ext cx="1640295" cy="1662899"/>
+            <a:off x="237045" y="309521"/>
+            <a:ext cx="1923663" cy="1720934"/>
           </a:xfrm>
         </p:spPr>
         <p:txBody>
           <a:bodyPr/>
           <a:lstStyle>
             <a:lvl1pPr>
-              <a:defRPr sz="1092"/>
+              <a:defRPr sz="614"/>
             </a:lvl1pPr>
             <a:lvl2pPr>
-              <a:defRPr sz="955"/>
+              <a:defRPr sz="546"/>
             </a:lvl2pPr>
             <a:lvl3pPr>
-              <a:defRPr sz="819"/>
+              <a:defRPr sz="478"/>
             </a:lvl3pPr>
             <a:lvl4pPr>
-              <a:defRPr sz="682"/>
+              <a:defRPr sz="478"/>
             </a:lvl4pPr>
             <a:lvl5pPr>
-              <a:defRPr sz="682"/>
+              <a:defRPr sz="478"/>
             </a:lvl5pPr>
             <a:lvl6pPr>
-              <a:defRPr sz="682"/>
+              <a:defRPr sz="478"/>
             </a:lvl6pPr>
             <a:lvl7pPr>
-              <a:defRPr sz="682"/>
+              <a:defRPr sz="478"/>
             </a:lvl7pPr>
             <a:lvl8pPr>
-              <a:defRPr sz="682"/>
+              <a:defRPr sz="478"/>
             </a:lvl8pPr>
             <a:lvl9pPr>
-              <a:defRPr sz="682"/>
+              <a:defRPr sz="478"/>
             </a:lvl9pPr>
           </a:lstStyle>
           <a:p>
@@ -2021,128 +2953,196 @@
         </p:nvSpPr>
         <p:spPr>
           <a:xfrm>
-            <a:off x="223178" y="701992"/>
-            <a:ext cx="1045013" cy="1300528"/>
-          </a:xfrm>
-        </p:spPr>
+            <a:off x="2470567" y="779992"/>
+            <a:ext cx="645993" cy="1195987"/>
+          </a:xfrm>
+        </p:spPr>
+        <p:txBody>
+          <a:bodyPr>
+            <a:normAutofit/>
+          </a:bodyPr>
+          <a:lstStyle>
+            <a:lvl1pPr marL="0" indent="0">
+              <a:lnSpc>
+                <a:spcPct val="110000"/>
+              </a:lnSpc>
+              <a:spcBef>
+                <a:spcPts val="273"/>
+              </a:spcBef>
+              <a:buNone/>
+              <a:defRPr sz="444">
+                <a:solidFill>
+                  <a:srgbClr val="FFFFFF"/>
+                </a:solidFill>
+              </a:defRPr>
+            </a:lvl1pPr>
+            <a:lvl2pPr marL="155997" indent="0">
+              <a:buNone/>
+              <a:defRPr sz="409"/>
+            </a:lvl2pPr>
+            <a:lvl3pPr marL="311993" indent="0">
+              <a:buNone/>
+              <a:defRPr sz="341"/>
+            </a:lvl3pPr>
+            <a:lvl4pPr marL="467990" indent="0">
+              <a:buNone/>
+              <a:defRPr sz="307"/>
+            </a:lvl4pPr>
+            <a:lvl5pPr marL="623987" indent="0">
+              <a:buNone/>
+              <a:defRPr sz="307"/>
+            </a:lvl5pPr>
+            <a:lvl6pPr marL="779983" indent="0">
+              <a:buNone/>
+              <a:defRPr sz="307"/>
+            </a:lvl6pPr>
+            <a:lvl7pPr marL="935980" indent="0">
+              <a:buNone/>
+              <a:defRPr sz="307"/>
+            </a:lvl7pPr>
+            <a:lvl8pPr marL="1091976" indent="0">
+              <a:buNone/>
+              <a:defRPr sz="307"/>
+            </a:lvl8pPr>
+            <a:lvl9pPr marL="1247973" indent="0">
+              <a:buNone/>
+              <a:defRPr sz="307"/>
+            </a:lvl9pPr>
+          </a:lstStyle>
+          <a:p>
+            <a:pPr lvl="0"/>
+            <a:r>
+              <a:rPr lang="en-US"/>
+              <a:t>Click to edit Master text styles</a:t>
+            </a:r>
+          </a:p>
+        </p:txBody>
+      </p:sp>
+      <p:sp>
+        <p:nvSpPr>
+          <p:cNvPr id="8" name="Date Placeholder 7"/>
+          <p:cNvSpPr>
+            <a:spLocks noGrp="1"/>
+          </p:cNvSpPr>
+          <p:nvPr>
+            <p:ph type="dt" sz="half" idx="10"/>
+          </p:nvPr>
+        </p:nvSpPr>
+        <p:spPr/>
+        <p:txBody>
+          <a:bodyPr/>
+          <a:lstStyle/>
+          <a:p>
+            <a:fld id="{7E8D12A6-918A-48BD-8CB9-CA713993B0EA}" type="datetime1">
+              <a:rPr lang="en-US" smtClean="0"/>
+              <a:t>6/12/2020</a:t>
+            </a:fld>
+            <a:endParaRPr lang="en-US"/>
+          </a:p>
+        </p:txBody>
+      </p:sp>
+      <p:sp>
+        <p:nvSpPr>
+          <p:cNvPr id="9" name="Footer Placeholder 8"/>
+          <p:cNvSpPr>
+            <a:spLocks noGrp="1"/>
+          </p:cNvSpPr>
+          <p:nvPr>
+            <p:ph type="ftr" sz="quarter" idx="11"/>
+          </p:nvPr>
+        </p:nvSpPr>
+        <p:spPr/>
         <p:txBody>
           <a:bodyPr/>
           <a:lstStyle>
-            <a:lvl1pPr marL="0" indent="0">
-              <a:buNone/>
-              <a:defRPr sz="546"/>
+            <a:lvl1pPr algn="r">
+              <a:defRPr/>
             </a:lvl1pPr>
-            <a:lvl2pPr marL="155997" indent="0">
-              <a:buNone/>
-              <a:defRPr sz="478"/>
-            </a:lvl2pPr>
-            <a:lvl3pPr marL="311993" indent="0">
-              <a:buNone/>
-              <a:defRPr sz="409"/>
-            </a:lvl3pPr>
-            <a:lvl4pPr marL="467990" indent="0">
-              <a:buNone/>
-              <a:defRPr sz="341"/>
-            </a:lvl4pPr>
-            <a:lvl5pPr marL="623987" indent="0">
-              <a:buNone/>
-              <a:defRPr sz="341"/>
-            </a:lvl5pPr>
-            <a:lvl6pPr marL="779983" indent="0">
-              <a:buNone/>
-              <a:defRPr sz="341"/>
-            </a:lvl6pPr>
-            <a:lvl7pPr marL="935980" indent="0">
-              <a:buNone/>
-              <a:defRPr sz="341"/>
-            </a:lvl7pPr>
-            <a:lvl8pPr marL="1091976" indent="0">
-              <a:buNone/>
-              <a:defRPr sz="341"/>
-            </a:lvl8pPr>
-            <a:lvl9pPr marL="1247973" indent="0">
-              <a:buNone/>
-              <a:defRPr sz="341"/>
-            </a:lvl9pPr>
           </a:lstStyle>
           <a:p>
-            <a:pPr lvl="0"/>
-            <a:r>
-              <a:rPr lang="en-US"/>
-              <a:t>Click to edit Master text styles</a:t>
-            </a:r>
-          </a:p>
-        </p:txBody>
-      </p:sp>
-      <p:sp>
-        <p:nvSpPr>
-          <p:cNvPr id="5" name="Date Placeholder 4"/>
-          <p:cNvSpPr>
-            <a:spLocks noGrp="1"/>
-          </p:cNvSpPr>
-          <p:nvPr>
-            <p:ph type="dt" sz="half" idx="10"/>
-          </p:nvPr>
-        </p:nvSpPr>
-        <p:spPr/>
+            <a:endParaRPr lang="en-US"/>
+          </a:p>
+        </p:txBody>
+      </p:sp>
+      <p:sp>
+        <p:nvSpPr>
+          <p:cNvPr id="11" name="Slide Number Placeholder 10"/>
+          <p:cNvSpPr>
+            <a:spLocks noGrp="1"/>
+          </p:cNvSpPr>
+          <p:nvPr>
+            <p:ph type="sldNum" sz="quarter" idx="12"/>
+          </p:nvPr>
+        </p:nvSpPr>
+        <p:spPr>
+          <a:xfrm>
+            <a:off x="2762174" y="2153025"/>
+            <a:ext cx="388811" cy="93599"/>
+          </a:xfrm>
+        </p:spPr>
         <p:txBody>
           <a:bodyPr/>
-          <a:lstStyle/>
-          <a:p>
-            <a:fld id="{15674EA1-EAE9-41CA-9396-79C0A4E3A536}" type="datetimeFigureOut">
-              <a:rPr lang="en-CA" smtClean="0"/>
-              <a:t>2020-06-06</a:t>
-            </a:fld>
-            <a:endParaRPr lang="en-CA"/>
-          </a:p>
-        </p:txBody>
-      </p:sp>
-      <p:sp>
-        <p:nvSpPr>
-          <p:cNvPr id="6" name="Footer Placeholder 5"/>
-          <p:cNvSpPr>
-            <a:spLocks noGrp="1"/>
-          </p:cNvSpPr>
-          <p:nvPr>
-            <p:ph type="ftr" sz="quarter" idx="11"/>
-          </p:nvPr>
-        </p:nvSpPr>
-        <p:spPr/>
-        <p:txBody>
-          <a:bodyPr/>
-          <a:lstStyle/>
-          <a:p>
-            <a:endParaRPr lang="en-CA"/>
-          </a:p>
-        </p:txBody>
-      </p:sp>
-      <p:sp>
-        <p:nvSpPr>
-          <p:cNvPr id="7" name="Slide Number Placeholder 6"/>
-          <p:cNvSpPr>
-            <a:spLocks noGrp="1"/>
-          </p:cNvSpPr>
-          <p:nvPr>
-            <p:ph type="sldNum" sz="quarter" idx="12"/>
-          </p:nvPr>
-        </p:nvSpPr>
-        <p:spPr/>
-        <p:txBody>
-          <a:bodyPr/>
-          <a:lstStyle/>
-          <a:p>
-            <a:fld id="{103160D4-6CE2-4A60-B605-2B6396BBC775}" type="slidenum">
-              <a:rPr lang="en-CA" smtClean="0"/>
+          <a:lstStyle>
+            <a:lvl1pPr>
+              <a:defRPr>
+                <a:solidFill>
+                  <a:srgbClr val="FFFFFF"/>
+                </a:solidFill>
+              </a:defRPr>
+            </a:lvl1pPr>
+          </a:lstStyle>
+          <a:p>
+            <a:fld id="{34B7E4EF-A1BD-40F4-AB7B-04F084DD991D}" type="slidenum">
+              <a:rPr lang="en-US" smtClean="0"/>
               <a:t>‹#›</a:t>
             </a:fld>
-            <a:endParaRPr lang="en-CA"/>
-          </a:p>
-        </p:txBody>
+            <a:endParaRPr lang="en-US"/>
+          </a:p>
+        </p:txBody>
+      </p:sp>
+      <p:sp>
+        <p:nvSpPr>
+          <p:cNvPr id="12" name="Rectangle 11"/>
+          <p:cNvSpPr/>
+          <p:nvPr/>
+        </p:nvSpPr>
+        <p:spPr>
+          <a:xfrm>
+            <a:off x="2433666" y="93599"/>
+            <a:ext cx="704719" cy="2152777"/>
+          </a:xfrm>
+          <a:prstGeom prst="rect">
+            <a:avLst/>
+          </a:prstGeom>
+          <a:noFill/>
+          <a:ln w="6350" cap="sq">
+            <a:solidFill>
+              <a:srgbClr val="FFFFFF"/>
+            </a:solidFill>
+            <a:miter lim="800000"/>
+          </a:ln>
+        </p:spPr>
+        <p:style>
+          <a:lnRef idx="2">
+            <a:schemeClr val="accent1">
+              <a:shade val="50000"/>
+            </a:schemeClr>
+          </a:lnRef>
+          <a:fillRef idx="1">
+            <a:schemeClr val="accent1"/>
+          </a:fillRef>
+          <a:effectRef idx="0">
+            <a:schemeClr val="accent1"/>
+          </a:effectRef>
+          <a:fontRef idx="minor">
+            <a:schemeClr val="lt1"/>
+          </a:fontRef>
+        </p:style>
       </p:sp>
     </p:spTree>
     <p:extLst>
       <p:ext uri="{BB962C8B-B14F-4D97-AF65-F5344CB8AC3E}">
-        <p14:creationId xmlns:p14="http://schemas.microsoft.com/office/powerpoint/2010/main" val="1690288375"/>
+        <p14:creationId xmlns:p14="http://schemas.microsoft.com/office/powerpoint/2010/main" val="4082721469"/>
       </p:ext>
     </p:extLst>
   </p:cSld>
@@ -2153,7 +3153,7 @@
 </file>
 
 <file path=ppt/slideLayouts/slideLayout9.xml><?xml version="1.0" encoding="utf-8"?>
-<p:sldLayout xmlns:a="http://schemas.openxmlformats.org/drawingml/2006/main" xmlns:r="http://schemas.openxmlformats.org/officeDocument/2006/relationships" xmlns:p="http://schemas.openxmlformats.org/presentationml/2006/main" type="picTx" preserve="1">
+<p:sldLayout xmlns:a="http://schemas.openxmlformats.org/drawingml/2006/main" xmlns:r="http://schemas.openxmlformats.org/officeDocument/2006/relationships" xmlns:p="http://schemas.openxmlformats.org/presentationml/2006/main" showMasterSp="0" type="picTx" preserve="1">
   <p:cSld name="Picture with Caption">
     <p:spTree>
       <p:nvGrpSpPr>
@@ -2171,6 +3171,44 @@
       </p:grpSpPr>
       <p:sp>
         <p:nvSpPr>
+          <p:cNvPr id="14" name="Rectangle 13"/>
+          <p:cNvSpPr/>
+          <p:nvPr/>
+        </p:nvSpPr>
+        <p:spPr>
+          <a:xfrm>
+            <a:off x="2397215" y="59280"/>
+            <a:ext cx="777621" cy="2221416"/>
+          </a:xfrm>
+          <a:prstGeom prst="rect">
+            <a:avLst/>
+          </a:prstGeom>
+          <a:solidFill>
+            <a:schemeClr val="accent1"/>
+          </a:solidFill>
+          <a:ln>
+            <a:noFill/>
+          </a:ln>
+        </p:spPr>
+        <p:style>
+          <a:lnRef idx="2">
+            <a:schemeClr val="accent1">
+              <a:shade val="50000"/>
+            </a:schemeClr>
+          </a:lnRef>
+          <a:fillRef idx="1">
+            <a:schemeClr val="accent1"/>
+          </a:fillRef>
+          <a:effectRef idx="0">
+            <a:schemeClr val="accent1"/>
+          </a:effectRef>
+          <a:fontRef idx="minor">
+            <a:schemeClr val="lt1"/>
+          </a:fontRef>
+        </p:style>
+      </p:sp>
+      <p:sp>
+        <p:nvSpPr>
           <p:cNvPr id="2" name="Title 1"/>
           <p:cNvSpPr>
             <a:spLocks noGrp="1"/>
@@ -2181,15 +3219,22 @@
         </p:nvSpPr>
         <p:spPr>
           <a:xfrm>
-            <a:off x="223178" y="155998"/>
-            <a:ext cx="1045013" cy="545994"/>
-          </a:xfrm>
-        </p:spPr>
-        <p:txBody>
-          <a:bodyPr anchor="b"/>
+            <a:off x="2470567" y="205918"/>
+            <a:ext cx="646398" cy="561594"/>
+          </a:xfrm>
+        </p:spPr>
+        <p:txBody>
+          <a:bodyPr anchor="b">
+            <a:noAutofit/>
+          </a:bodyPr>
           <a:lstStyle>
-            <a:lvl1pPr>
-              <a:defRPr sz="1092"/>
+            <a:lvl1pPr algn="l">
+              <a:defRPr sz="819" b="0">
+                <a:solidFill>
+                  <a:srgbClr val="FFFFFF"/>
+                </a:solidFill>
+                <a:latin typeface="+mj-lt"/>
+              </a:defRPr>
             </a:lvl1pPr>
           </a:lstStyle>
           <a:p>
@@ -2213,9 +3258,18 @@
         </p:nvSpPr>
         <p:spPr>
           <a:xfrm>
-            <a:off x="1377459" y="336914"/>
-            <a:ext cx="1640295" cy="1662899"/>
-          </a:xfrm>
+            <a:off x="60751" y="59280"/>
+            <a:ext cx="2267252" cy="2221416"/>
+          </a:xfrm>
+          <a:solidFill>
+            <a:schemeClr val="accent1">
+              <a:lumMod val="60000"/>
+              <a:lumOff val="40000"/>
+            </a:schemeClr>
+          </a:solidFill>
+          <a:ln>
+            <a:noFill/>
+          </a:ln>
         </p:spPr>
         <p:txBody>
           <a:bodyPr anchor="t"/>
@@ -2278,134 +3332,232 @@
         </p:nvSpPr>
         <p:spPr>
           <a:xfrm>
-            <a:off x="223178" y="701992"/>
-            <a:ext cx="1045013" cy="1300528"/>
-          </a:xfrm>
-        </p:spPr>
+            <a:off x="2470567" y="779992"/>
+            <a:ext cx="646398" cy="1194947"/>
+          </a:xfrm>
+        </p:spPr>
+        <p:txBody>
+          <a:bodyPr>
+            <a:normAutofit/>
+          </a:bodyPr>
+          <a:lstStyle>
+            <a:lvl1pPr marL="0" indent="0" algn="l">
+              <a:lnSpc>
+                <a:spcPct val="110000"/>
+              </a:lnSpc>
+              <a:spcBef>
+                <a:spcPts val="273"/>
+              </a:spcBef>
+              <a:buNone/>
+              <a:defRPr sz="444">
+                <a:solidFill>
+                  <a:srgbClr val="FFFFFF"/>
+                </a:solidFill>
+              </a:defRPr>
+            </a:lvl1pPr>
+            <a:lvl2pPr marL="155997" indent="0">
+              <a:buNone/>
+              <a:defRPr sz="409"/>
+            </a:lvl2pPr>
+            <a:lvl3pPr marL="311993" indent="0">
+              <a:buNone/>
+              <a:defRPr sz="341"/>
+            </a:lvl3pPr>
+            <a:lvl4pPr marL="467990" indent="0">
+              <a:buNone/>
+              <a:defRPr sz="307"/>
+            </a:lvl4pPr>
+            <a:lvl5pPr marL="623987" indent="0">
+              <a:buNone/>
+              <a:defRPr sz="307"/>
+            </a:lvl5pPr>
+            <a:lvl6pPr marL="779983" indent="0">
+              <a:buNone/>
+              <a:defRPr sz="307"/>
+            </a:lvl6pPr>
+            <a:lvl7pPr marL="935980" indent="0">
+              <a:buNone/>
+              <a:defRPr sz="307"/>
+            </a:lvl7pPr>
+            <a:lvl8pPr marL="1091976" indent="0">
+              <a:buNone/>
+              <a:defRPr sz="307"/>
+            </a:lvl8pPr>
+            <a:lvl9pPr marL="1247973" indent="0">
+              <a:buNone/>
+              <a:defRPr sz="307"/>
+            </a:lvl9pPr>
+          </a:lstStyle>
+          <a:p>
+            <a:pPr lvl="0"/>
+            <a:r>
+              <a:rPr lang="en-US"/>
+              <a:t>Click to edit Master text styles</a:t>
+            </a:r>
+          </a:p>
+        </p:txBody>
+      </p:sp>
+      <p:sp>
+        <p:nvSpPr>
+          <p:cNvPr id="5" name="Date Placeholder 4"/>
+          <p:cNvSpPr>
+            <a:spLocks noGrp="1"/>
+          </p:cNvSpPr>
+          <p:nvPr>
+            <p:ph type="dt" sz="half" idx="10"/>
+          </p:nvPr>
+        </p:nvSpPr>
+        <p:spPr/>
         <p:txBody>
           <a:bodyPr/>
           <a:lstStyle>
-            <a:lvl1pPr marL="0" indent="0">
-              <a:buNone/>
-              <a:defRPr sz="546"/>
+            <a:lvl1pPr>
+              <a:defRPr>
+                <a:solidFill>
+                  <a:srgbClr val="FFFFFF"/>
+                </a:solidFill>
+                <a:effectLst>
+                  <a:outerShdw blurRad="12700" dist="6350" dir="2700000" algn="tl" rotWithShape="0">
+                    <a:prstClr val="black">
+                      <a:alpha val="40000"/>
+                    </a:prstClr>
+                  </a:outerShdw>
+                </a:effectLst>
+              </a:defRPr>
             </a:lvl1pPr>
-            <a:lvl2pPr marL="155997" indent="0">
-              <a:buNone/>
-              <a:defRPr sz="478"/>
-            </a:lvl2pPr>
-            <a:lvl3pPr marL="311993" indent="0">
-              <a:buNone/>
-              <a:defRPr sz="409"/>
-            </a:lvl3pPr>
-            <a:lvl4pPr marL="467990" indent="0">
-              <a:buNone/>
-              <a:defRPr sz="341"/>
-            </a:lvl4pPr>
-            <a:lvl5pPr marL="623987" indent="0">
-              <a:buNone/>
-              <a:defRPr sz="341"/>
-            </a:lvl5pPr>
-            <a:lvl6pPr marL="779983" indent="0">
-              <a:buNone/>
-              <a:defRPr sz="341"/>
-            </a:lvl6pPr>
-            <a:lvl7pPr marL="935980" indent="0">
-              <a:buNone/>
-              <a:defRPr sz="341"/>
-            </a:lvl7pPr>
-            <a:lvl8pPr marL="1091976" indent="0">
-              <a:buNone/>
-              <a:defRPr sz="341"/>
-            </a:lvl8pPr>
-            <a:lvl9pPr marL="1247973" indent="0">
-              <a:buNone/>
-              <a:defRPr sz="341"/>
-            </a:lvl9pPr>
           </a:lstStyle>
           <a:p>
-            <a:pPr lvl="0"/>
-            <a:r>
-              <a:rPr lang="en-US"/>
-              <a:t>Click to edit Master text styles</a:t>
-            </a:r>
-          </a:p>
-        </p:txBody>
-      </p:sp>
-      <p:sp>
-        <p:nvSpPr>
-          <p:cNvPr id="5" name="Date Placeholder 4"/>
-          <p:cNvSpPr>
-            <a:spLocks noGrp="1"/>
-          </p:cNvSpPr>
-          <p:nvPr>
-            <p:ph type="dt" sz="half" idx="10"/>
+            <a:fld id="{F6FA2B21-3FCD-4721-B95C-427943F61125}" type="datetime1">
+              <a:rPr lang="en-US" smtClean="0"/>
+              <a:t>6/12/2020</a:t>
+            </a:fld>
+            <a:endParaRPr lang="en-US"/>
+          </a:p>
+        </p:txBody>
+      </p:sp>
+      <p:sp>
+        <p:nvSpPr>
+          <p:cNvPr id="6" name="Footer Placeholder 5"/>
+          <p:cNvSpPr>
+            <a:spLocks noGrp="1"/>
+          </p:cNvSpPr>
+          <p:nvPr>
+            <p:ph type="ftr" sz="quarter" idx="11"/>
           </p:nvPr>
         </p:nvSpPr>
         <p:spPr/>
         <p:txBody>
           <a:bodyPr/>
-          <a:lstStyle/>
-          <a:p>
-            <a:fld id="{15674EA1-EAE9-41CA-9396-79C0A4E3A536}" type="datetimeFigureOut">
-              <a:rPr lang="en-CA" smtClean="0"/>
-              <a:t>2020-06-06</a:t>
-            </a:fld>
-            <a:endParaRPr lang="en-CA"/>
-          </a:p>
-        </p:txBody>
-      </p:sp>
-      <p:sp>
-        <p:nvSpPr>
-          <p:cNvPr id="6" name="Footer Placeholder 5"/>
-          <p:cNvSpPr>
-            <a:spLocks noGrp="1"/>
-          </p:cNvSpPr>
-          <p:nvPr>
-            <p:ph type="ftr" sz="quarter" idx="11"/>
-          </p:nvPr>
-        </p:nvSpPr>
-        <p:spPr/>
+          <a:lstStyle>
+            <a:lvl1pPr marL="0" algn="r" defTabSz="311993" rtl="0" eaLnBrk="1" latinLnBrk="0" hangingPunct="1">
+              <a:defRPr lang="en-US" sz="307" kern="1200" dirty="0">
+                <a:solidFill>
+                  <a:srgbClr val="FFFFFF"/>
+                </a:solidFill>
+                <a:effectLst>
+                  <a:outerShdw blurRad="12700" dist="6350" dir="2700000" algn="tl" rotWithShape="0">
+                    <a:prstClr val="black">
+                      <a:alpha val="40000"/>
+                    </a:prstClr>
+                  </a:outerShdw>
+                </a:effectLst>
+                <a:latin typeface="+mn-lt"/>
+                <a:ea typeface="+mn-ea"/>
+                <a:cs typeface="+mn-cs"/>
+              </a:defRPr>
+            </a:lvl1pPr>
+          </a:lstStyle>
+          <a:p>
+            <a:endParaRPr lang="en-US" dirty="0"/>
+          </a:p>
+        </p:txBody>
+      </p:sp>
+      <p:sp>
+        <p:nvSpPr>
+          <p:cNvPr id="7" name="Slide Number Placeholder 6"/>
+          <p:cNvSpPr>
+            <a:spLocks noGrp="1"/>
+          </p:cNvSpPr>
+          <p:nvPr>
+            <p:ph type="sldNum" sz="quarter" idx="12"/>
+          </p:nvPr>
+        </p:nvSpPr>
+        <p:spPr>
+          <a:xfrm>
+            <a:off x="2762985" y="2152777"/>
+            <a:ext cx="388811" cy="93599"/>
+          </a:xfrm>
+        </p:spPr>
         <p:txBody>
           <a:bodyPr/>
-          <a:lstStyle/>
-          <a:p>
-            <a:endParaRPr lang="en-CA"/>
-          </a:p>
-        </p:txBody>
-      </p:sp>
-      <p:sp>
-        <p:nvSpPr>
-          <p:cNvPr id="7" name="Slide Number Placeholder 6"/>
-          <p:cNvSpPr>
-            <a:spLocks noGrp="1"/>
-          </p:cNvSpPr>
-          <p:nvPr>
-            <p:ph type="sldNum" sz="quarter" idx="12"/>
-          </p:nvPr>
-        </p:nvSpPr>
-        <p:spPr/>
-        <p:txBody>
-          <a:bodyPr/>
-          <a:lstStyle/>
-          <a:p>
-            <a:fld id="{103160D4-6CE2-4A60-B605-2B6396BBC775}" type="slidenum">
-              <a:rPr lang="en-CA" smtClean="0"/>
+          <a:lstStyle>
+            <a:lvl1pPr>
+              <a:defRPr>
+                <a:solidFill>
+                  <a:srgbClr val="FFFFFF"/>
+                </a:solidFill>
+              </a:defRPr>
+            </a:lvl1pPr>
+          </a:lstStyle>
+          <a:p>
+            <a:fld id="{34B7E4EF-A1BD-40F4-AB7B-04F084DD991D}" type="slidenum">
+              <a:rPr lang="en-US" smtClean="0"/>
               <a:t>‹#›</a:t>
             </a:fld>
-            <a:endParaRPr lang="en-CA"/>
-          </a:p>
-        </p:txBody>
+            <a:endParaRPr lang="en-US"/>
+          </a:p>
+        </p:txBody>
+      </p:sp>
+      <p:sp>
+        <p:nvSpPr>
+          <p:cNvPr id="11" name="Rectangle 10"/>
+          <p:cNvSpPr/>
+          <p:nvPr/>
+        </p:nvSpPr>
+        <p:spPr>
+          <a:xfrm>
+            <a:off x="2433666" y="93599"/>
+            <a:ext cx="704719" cy="2152777"/>
+          </a:xfrm>
+          <a:prstGeom prst="rect">
+            <a:avLst/>
+          </a:prstGeom>
+          <a:noFill/>
+          <a:ln w="6350" cap="sq">
+            <a:solidFill>
+              <a:srgbClr val="FFFFFF"/>
+            </a:solidFill>
+            <a:miter lim="800000"/>
+          </a:ln>
+        </p:spPr>
+        <p:style>
+          <a:lnRef idx="2">
+            <a:schemeClr val="accent1">
+              <a:shade val="50000"/>
+            </a:schemeClr>
+          </a:lnRef>
+          <a:fillRef idx="1">
+            <a:schemeClr val="accent1"/>
+          </a:fillRef>
+          <a:effectRef idx="0">
+            <a:schemeClr val="accent1"/>
+          </a:effectRef>
+          <a:fontRef idx="minor">
+            <a:schemeClr val="lt1"/>
+          </a:fontRef>
+        </p:style>
       </p:sp>
     </p:spTree>
     <p:extLst>
       <p:ext uri="{BB962C8B-B14F-4D97-AF65-F5344CB8AC3E}">
-        <p14:creationId xmlns:p14="http://schemas.microsoft.com/office/powerpoint/2010/main" val="3688895798"/>
+        <p14:creationId xmlns:p14="http://schemas.microsoft.com/office/powerpoint/2010/main" val="2618490626"/>
       </p:ext>
     </p:extLst>
   </p:cSld>
   <p:clrMapOvr>
     <a:masterClrMapping/>
   </p:clrMapOvr>
+  <p:hf sldNum="0" hdr="0" ftr="0" dt="0"/>
 </p:sldLayout>
 </file>
 
@@ -2413,9 +3565,12 @@
 <p:sldMaster xmlns:a="http://schemas.openxmlformats.org/drawingml/2006/main" xmlns:r="http://schemas.openxmlformats.org/officeDocument/2006/relationships" xmlns:p="http://schemas.openxmlformats.org/presentationml/2006/main">
   <p:cSld>
     <p:bg>
-      <p:bgRef idx="1001">
-        <a:schemeClr val="bg1"/>
-      </p:bgRef>
+      <p:bgPr>
+        <a:solidFill>
+          <a:schemeClr val="bg1"/>
+        </a:solidFill>
+        <a:effectLst/>
+      </p:bgPr>
     </p:bg>
     <p:spTree>
       <p:nvGrpSpPr>
@@ -2433,6 +3588,32 @@
       </p:grpSpPr>
       <p:sp>
         <p:nvSpPr>
+          <p:cNvPr id="7" name="Rectangle 6"/>
+          <p:cNvSpPr/>
+          <p:nvPr/>
+        </p:nvSpPr>
+        <p:spPr>
+          <a:xfrm>
+            <a:off x="62372" y="59280"/>
+            <a:ext cx="3115345" cy="2221416"/>
+          </a:xfrm>
+          <a:prstGeom prst="rect">
+            <a:avLst/>
+          </a:prstGeom>
+          <a:solidFill>
+            <a:schemeClr val="bg2"/>
+          </a:solidFill>
+          <a:ln w="6350" cap="flat" cmpd="sng" algn="ctr">
+            <a:noFill/>
+            <a:prstDash val="solid"/>
+          </a:ln>
+          <a:effectLst>
+            <a:softEdge rad="0"/>
+          </a:effectLst>
+        </p:spPr>
+      </p:sp>
+      <p:sp>
+        <p:nvSpPr>
           <p:cNvPr id="2" name="Title Placeholder 1"/>
           <p:cNvSpPr>
             <a:spLocks noGrp="1"/>
@@ -2443,8 +3624,8 @@
         </p:nvSpPr>
         <p:spPr>
           <a:xfrm>
-            <a:off x="222756" y="124583"/>
-            <a:ext cx="2794576" cy="452287"/>
+            <a:off x="259207" y="219255"/>
+            <a:ext cx="2721674" cy="467995"/>
           </a:xfrm>
           <a:prstGeom prst="rect">
             <a:avLst/>
@@ -2476,8 +3657,8 @@
         </p:nvSpPr>
         <p:spPr>
           <a:xfrm>
-            <a:off x="222756" y="622910"/>
-            <a:ext cx="2794576" cy="1484693"/>
+            <a:off x="259207" y="717592"/>
+            <a:ext cx="2721674" cy="1341586"/>
           </a:xfrm>
           <a:prstGeom prst="rect">
             <a:avLst/>
@@ -2538,32 +3719,33 @@
         </p:nvSpPr>
         <p:spPr>
           <a:xfrm>
-            <a:off x="222756" y="2168811"/>
-            <a:ext cx="729020" cy="124582"/>
+            <a:off x="83188" y="2152777"/>
+            <a:ext cx="729020" cy="93599"/>
           </a:xfrm>
           <a:prstGeom prst="rect">
             <a:avLst/>
           </a:prstGeom>
         </p:spPr>
         <p:txBody>
-          <a:bodyPr vert="horz" lIns="91440" tIns="45720" rIns="91440" bIns="45720" rtlCol="0" anchor="ctr"/>
+          <a:bodyPr vert="horz" lIns="91440" tIns="45720" rIns="91440" bIns="45720" rtlCol="0" anchor="b"/>
           <a:lstStyle>
             <a:lvl1pPr algn="l">
-              <a:defRPr sz="409">
+              <a:defRPr sz="307">
                 <a:solidFill>
                   <a:schemeClr val="tx1">
-                    <a:tint val="75000"/>
+                    <a:lumMod val="75000"/>
+                    <a:lumOff val="25000"/>
                   </a:schemeClr>
                 </a:solidFill>
               </a:defRPr>
             </a:lvl1pPr>
           </a:lstStyle>
           <a:p>
-            <a:fld id="{15674EA1-EAE9-41CA-9396-79C0A4E3A536}" type="datetimeFigureOut">
-              <a:rPr lang="en-CA" smtClean="0"/>
-              <a:t>2020-06-06</a:t>
+            <a:fld id="{F6FA2B21-3FCD-4721-B95C-427943F61125}" type="datetime1">
+              <a:rPr lang="en-US" smtClean="0"/>
+              <a:t>6/12/2020</a:t>
             </a:fld>
-            <a:endParaRPr lang="en-CA"/>
+            <a:endParaRPr lang="en-US"/>
           </a:p>
         </p:txBody>
       </p:sp>
@@ -2579,28 +3761,29 @@
         </p:nvSpPr>
         <p:spPr>
           <a:xfrm>
-            <a:off x="1073279" y="2168811"/>
-            <a:ext cx="1093530" cy="124582"/>
+            <a:off x="920185" y="2152777"/>
+            <a:ext cx="1399718" cy="93599"/>
           </a:xfrm>
           <a:prstGeom prst="rect">
             <a:avLst/>
           </a:prstGeom>
         </p:spPr>
         <p:txBody>
-          <a:bodyPr vert="horz" lIns="91440" tIns="45720" rIns="91440" bIns="45720" rtlCol="0" anchor="ctr"/>
+          <a:bodyPr vert="horz" lIns="91440" tIns="45720" rIns="91440" bIns="45720" rtlCol="0" anchor="b"/>
           <a:lstStyle>
             <a:lvl1pPr algn="ctr">
-              <a:defRPr sz="409">
+              <a:defRPr sz="307">
                 <a:solidFill>
                   <a:schemeClr val="tx1">
-                    <a:tint val="75000"/>
+                    <a:lumMod val="75000"/>
+                    <a:lumOff val="25000"/>
                   </a:schemeClr>
                 </a:solidFill>
               </a:defRPr>
             </a:lvl1pPr>
           </a:lstStyle>
           <a:p>
-            <a:endParaRPr lang="en-CA"/>
+            <a:endParaRPr lang="en-US" dirty="0"/>
           </a:p>
         </p:txBody>
       </p:sp>
@@ -2616,56 +3799,58 @@
         </p:nvSpPr>
         <p:spPr>
           <a:xfrm>
-            <a:off x="2288312" y="2168811"/>
-            <a:ext cx="729020" cy="124582"/>
+            <a:off x="2772140" y="2152777"/>
+            <a:ext cx="388811" cy="93599"/>
           </a:xfrm>
           <a:prstGeom prst="rect">
             <a:avLst/>
           </a:prstGeom>
         </p:spPr>
         <p:txBody>
-          <a:bodyPr vert="horz" lIns="91440" tIns="45720" rIns="91440" bIns="45720" rtlCol="0" anchor="ctr"/>
+          <a:bodyPr vert="horz" lIns="91440" tIns="45720" rIns="91440" bIns="45720" rtlCol="0" anchor="b"/>
           <a:lstStyle>
             <a:lvl1pPr algn="r">
-              <a:defRPr sz="409">
+              <a:defRPr sz="307">
                 <a:solidFill>
                   <a:schemeClr val="tx1">
-                    <a:tint val="75000"/>
+                    <a:lumMod val="75000"/>
+                    <a:lumOff val="25000"/>
                   </a:schemeClr>
                 </a:solidFill>
               </a:defRPr>
             </a:lvl1pPr>
           </a:lstStyle>
           <a:p>
-            <a:fld id="{103160D4-6CE2-4A60-B605-2B6396BBC775}" type="slidenum">
-              <a:rPr lang="en-CA" smtClean="0"/>
+            <a:fld id="{34B7E4EF-A1BD-40F4-AB7B-04F084DD991D}" type="slidenum">
+              <a:rPr lang="en-US" smtClean="0"/>
               <a:t>‹#›</a:t>
             </a:fld>
-            <a:endParaRPr lang="en-CA"/>
+            <a:endParaRPr lang="en-US"/>
           </a:p>
         </p:txBody>
       </p:sp>
     </p:spTree>
     <p:extLst>
       <p:ext uri="{BB962C8B-B14F-4D97-AF65-F5344CB8AC3E}">
-        <p14:creationId xmlns:p14="http://schemas.microsoft.com/office/powerpoint/2010/main" val="826269061"/>
+        <p14:creationId xmlns:p14="http://schemas.microsoft.com/office/powerpoint/2010/main" val="704098966"/>
       </p:ext>
     </p:extLst>
   </p:cSld>
   <p:clrMap bg1="lt1" tx1="dk1" bg2="lt2" tx2="dk2" accent1="accent1" accent2="accent2" accent3="accent3" accent4="accent4" accent5="accent5" accent6="accent6" hlink="hlink" folHlink="folHlink"/>
   <p:sldLayoutIdLst>
-    <p:sldLayoutId id="2147483673" r:id="rId1"/>
-    <p:sldLayoutId id="2147483674" r:id="rId2"/>
-    <p:sldLayoutId id="2147483675" r:id="rId3"/>
-    <p:sldLayoutId id="2147483676" r:id="rId4"/>
-    <p:sldLayoutId id="2147483677" r:id="rId5"/>
-    <p:sldLayoutId id="2147483678" r:id="rId6"/>
-    <p:sldLayoutId id="2147483679" r:id="rId7"/>
-    <p:sldLayoutId id="2147483680" r:id="rId8"/>
-    <p:sldLayoutId id="2147483681" r:id="rId9"/>
-    <p:sldLayoutId id="2147483682" r:id="rId10"/>
-    <p:sldLayoutId id="2147483683" r:id="rId11"/>
+    <p:sldLayoutId id="2147484202" r:id="rId1"/>
+    <p:sldLayoutId id="2147484203" r:id="rId2"/>
+    <p:sldLayoutId id="2147484204" r:id="rId3"/>
+    <p:sldLayoutId id="2147484205" r:id="rId4"/>
+    <p:sldLayoutId id="2147484206" r:id="rId5"/>
+    <p:sldLayoutId id="2147484207" r:id="rId6"/>
+    <p:sldLayoutId id="2147484208" r:id="rId7"/>
+    <p:sldLayoutId id="2147484209" r:id="rId8"/>
+    <p:sldLayoutId id="2147484210" r:id="rId9"/>
+    <p:sldLayoutId id="2147484211" r:id="rId10"/>
+    <p:sldLayoutId id="2147484212" r:id="rId11"/>
   </p:sldLayoutIdLst>
+  <p:hf sldNum="0" hdr="0" ftr="0" dt="0"/>
   <p:txStyles>
     <p:titleStyle>
       <a:lvl1pPr algn="l" defTabSz="311993" rtl="0" eaLnBrk="1" latinLnBrk="0" hangingPunct="1">
@@ -2676,27 +3861,40 @@
           <a:spcPct val="0"/>
         </a:spcBef>
         <a:buNone/>
-        <a:defRPr sz="1501" kern="1200">
+        <a:defRPr lang="en-US" sz="1365" kern="1200" cap="none" spc="0" baseline="0" dirty="0">
           <a:solidFill>
-            <a:schemeClr val="tx1"/>
+            <a:schemeClr val="tx1">
+              <a:lumMod val="85000"/>
+              <a:lumOff val="15000"/>
+            </a:schemeClr>
           </a:solidFill>
+          <a:effectLst/>
           <a:latin typeface="+mj-lt"/>
-          <a:ea typeface="+mj-ea"/>
-          <a:cs typeface="+mj-cs"/>
+          <a:ea typeface="+mn-ea"/>
+          <a:cs typeface="+mn-cs"/>
         </a:defRPr>
       </a:lvl1pPr>
     </p:titleStyle>
     <p:bodyStyle>
-      <a:lvl1pPr marL="77998" indent="-77998" algn="l" defTabSz="311993" rtl="0" eaLnBrk="1" latinLnBrk="0" hangingPunct="1">
+      <a:lvl1pPr marL="62399" indent="-62399" algn="l" defTabSz="311993" rtl="0" eaLnBrk="1" latinLnBrk="0" hangingPunct="1">
         <a:lnSpc>
-          <a:spcPct val="90000"/>
+          <a:spcPct val="100000"/>
         </a:lnSpc>
         <a:spcBef>
-          <a:spcPts val="341"/>
+          <a:spcPts val="307"/>
         </a:spcBef>
-        <a:buFont typeface="Arial" panose="020B0604020202020204" pitchFamily="34" charset="0"/>
-        <a:buChar char="•"/>
-        <a:defRPr sz="955" kern="1200">
+        <a:spcAft>
+          <a:spcPts val="0"/>
+        </a:spcAft>
+        <a:buClr>
+          <a:schemeClr val="tx1">
+            <a:lumMod val="85000"/>
+            <a:lumOff val="15000"/>
+          </a:schemeClr>
+        </a:buClr>
+        <a:buFont typeface="Garamond" pitchFamily="18" charset="0"/>
+        <a:buChar char="◦"/>
+        <a:defRPr sz="614" kern="1200">
           <a:solidFill>
             <a:schemeClr val="tx1"/>
           </a:solidFill>
@@ -2705,16 +3903,22 @@
           <a:cs typeface="+mn-cs"/>
         </a:defRPr>
       </a:lvl1pPr>
-      <a:lvl2pPr marL="233995" indent="-77998" algn="l" defTabSz="311993" rtl="0" eaLnBrk="1" latinLnBrk="0" hangingPunct="1">
+      <a:lvl2pPr marL="155997" indent="-62399" algn="l" defTabSz="311993" rtl="0" eaLnBrk="1" latinLnBrk="0" hangingPunct="1">
         <a:lnSpc>
-          <a:spcPct val="90000"/>
+          <a:spcPct val="100000"/>
         </a:lnSpc>
         <a:spcBef>
           <a:spcPts val="171"/>
         </a:spcBef>
-        <a:buFont typeface="Arial" panose="020B0604020202020204" pitchFamily="34" charset="0"/>
-        <a:buChar char="•"/>
-        <a:defRPr sz="819" kern="1200">
+        <a:buClr>
+          <a:schemeClr val="tx1">
+            <a:lumMod val="85000"/>
+            <a:lumOff val="15000"/>
+          </a:schemeClr>
+        </a:buClr>
+        <a:buFont typeface="Garamond" pitchFamily="18" charset="0"/>
+        <a:buChar char="◦"/>
+        <a:defRPr sz="546" kern="1200">
           <a:solidFill>
             <a:schemeClr val="tx1"/>
           </a:solidFill>
@@ -2723,16 +3927,22 @@
           <a:cs typeface="+mn-cs"/>
         </a:defRPr>
       </a:lvl2pPr>
-      <a:lvl3pPr marL="389992" indent="-77998" algn="l" defTabSz="311993" rtl="0" eaLnBrk="1" latinLnBrk="0" hangingPunct="1">
+      <a:lvl3pPr marL="249595" indent="-62399" algn="l" defTabSz="311993" rtl="0" eaLnBrk="1" latinLnBrk="0" hangingPunct="1">
         <a:lnSpc>
-          <a:spcPct val="90000"/>
+          <a:spcPct val="100000"/>
         </a:lnSpc>
         <a:spcBef>
           <a:spcPts val="171"/>
         </a:spcBef>
-        <a:buFont typeface="Arial" panose="020B0604020202020204" pitchFamily="34" charset="0"/>
-        <a:buChar char="•"/>
-        <a:defRPr sz="682" kern="1200">
+        <a:buClr>
+          <a:schemeClr val="tx1">
+            <a:lumMod val="85000"/>
+            <a:lumOff val="15000"/>
+          </a:schemeClr>
+        </a:buClr>
+        <a:buFont typeface="Garamond" pitchFamily="18" charset="0"/>
+        <a:buChar char="◦"/>
+        <a:defRPr sz="478" kern="1200">
           <a:solidFill>
             <a:schemeClr val="tx1"/>
           </a:solidFill>
@@ -2741,16 +3951,22 @@
           <a:cs typeface="+mn-cs"/>
         </a:defRPr>
       </a:lvl3pPr>
-      <a:lvl4pPr marL="545988" indent="-77998" algn="l" defTabSz="311993" rtl="0" eaLnBrk="1" latinLnBrk="0" hangingPunct="1">
+      <a:lvl4pPr marL="343193" indent="-62399" algn="l" defTabSz="311993" rtl="0" eaLnBrk="1" latinLnBrk="0" hangingPunct="1">
         <a:lnSpc>
-          <a:spcPct val="90000"/>
+          <a:spcPct val="100000"/>
         </a:lnSpc>
         <a:spcBef>
           <a:spcPts val="171"/>
         </a:spcBef>
-        <a:buFont typeface="Arial" panose="020B0604020202020204" pitchFamily="34" charset="0"/>
-        <a:buChar char="•"/>
-        <a:defRPr sz="614" kern="1200">
+        <a:buClr>
+          <a:schemeClr val="tx1">
+            <a:lumMod val="85000"/>
+            <a:lumOff val="15000"/>
+          </a:schemeClr>
+        </a:buClr>
+        <a:buFont typeface="Garamond" pitchFamily="18" charset="0"/>
+        <a:buChar char="◦"/>
+        <a:defRPr sz="478" kern="1200">
           <a:solidFill>
             <a:schemeClr val="tx1"/>
           </a:solidFill>
@@ -2759,16 +3975,22 @@
           <a:cs typeface="+mn-cs"/>
         </a:defRPr>
       </a:lvl4pPr>
-      <a:lvl5pPr marL="701985" indent="-77998" algn="l" defTabSz="311993" rtl="0" eaLnBrk="1" latinLnBrk="0" hangingPunct="1">
+      <a:lvl5pPr marL="436791" indent="-62399" algn="l" defTabSz="311993" rtl="0" eaLnBrk="1" latinLnBrk="0" hangingPunct="1">
         <a:lnSpc>
-          <a:spcPct val="90000"/>
+          <a:spcPct val="100000"/>
         </a:lnSpc>
         <a:spcBef>
           <a:spcPts val="171"/>
         </a:spcBef>
-        <a:buFont typeface="Arial" panose="020B0604020202020204" pitchFamily="34" charset="0"/>
-        <a:buChar char="•"/>
-        <a:defRPr sz="614" kern="1200">
+        <a:buClr>
+          <a:schemeClr val="tx1">
+            <a:lumMod val="85000"/>
+            <a:lumOff val="15000"/>
+          </a:schemeClr>
+        </a:buClr>
+        <a:buFont typeface="Garamond" pitchFamily="18" charset="0"/>
+        <a:buChar char="◦"/>
+        <a:defRPr sz="478" kern="1200">
           <a:solidFill>
             <a:schemeClr val="tx1"/>
           </a:solidFill>
@@ -2777,16 +3999,22 @@
           <a:cs typeface="+mn-cs"/>
         </a:defRPr>
       </a:lvl5pPr>
-      <a:lvl6pPr marL="857982" indent="-77998" algn="l" defTabSz="311993" rtl="0" eaLnBrk="1" latinLnBrk="0" hangingPunct="1">
+      <a:lvl6pPr marL="545920" indent="-77998" algn="l" defTabSz="311993" rtl="0" eaLnBrk="1" latinLnBrk="0" hangingPunct="1">
         <a:lnSpc>
-          <a:spcPct val="90000"/>
+          <a:spcPct val="100000"/>
         </a:lnSpc>
         <a:spcBef>
           <a:spcPts val="171"/>
         </a:spcBef>
-        <a:buFont typeface="Arial" panose="020B0604020202020204" pitchFamily="34" charset="0"/>
-        <a:buChar char="•"/>
-        <a:defRPr sz="614" kern="1200">
+        <a:buClr>
+          <a:schemeClr val="tx1">
+            <a:lumMod val="85000"/>
+            <a:lumOff val="15000"/>
+          </a:schemeClr>
+        </a:buClr>
+        <a:buFont typeface="Garamond" pitchFamily="18" charset="0"/>
+        <a:buChar char="◦"/>
+        <a:defRPr sz="478" kern="1200">
           <a:solidFill>
             <a:schemeClr val="tx1"/>
           </a:solidFill>
@@ -2795,16 +4023,22 @@
           <a:cs typeface="+mn-cs"/>
         </a:defRPr>
       </a:lvl6pPr>
-      <a:lvl7pPr marL="1013978" indent="-77998" algn="l" defTabSz="311993" rtl="0" eaLnBrk="1" latinLnBrk="0" hangingPunct="1">
+      <a:lvl7pPr marL="648280" indent="-77998" algn="l" defTabSz="311993" rtl="0" eaLnBrk="1" latinLnBrk="0" hangingPunct="1">
         <a:lnSpc>
-          <a:spcPct val="90000"/>
+          <a:spcPct val="100000"/>
         </a:lnSpc>
         <a:spcBef>
           <a:spcPts val="171"/>
         </a:spcBef>
-        <a:buFont typeface="Arial" panose="020B0604020202020204" pitchFamily="34" charset="0"/>
-        <a:buChar char="•"/>
-        <a:defRPr sz="614" kern="1200">
+        <a:buClr>
+          <a:schemeClr val="tx1">
+            <a:lumMod val="85000"/>
+            <a:lumOff val="15000"/>
+          </a:schemeClr>
+        </a:buClr>
+        <a:buFont typeface="Garamond" pitchFamily="18" charset="0"/>
+        <a:buChar char="◦"/>
+        <a:defRPr sz="478" kern="1200">
           <a:solidFill>
             <a:schemeClr val="tx1"/>
           </a:solidFill>
@@ -2813,16 +4047,22 @@
           <a:cs typeface="+mn-cs"/>
         </a:defRPr>
       </a:lvl7pPr>
-      <a:lvl8pPr marL="1169975" indent="-77998" algn="l" defTabSz="311993" rtl="0" eaLnBrk="1" latinLnBrk="0" hangingPunct="1">
+      <a:lvl8pPr marL="750640" indent="-77998" algn="l" defTabSz="311993" rtl="0" eaLnBrk="1" latinLnBrk="0" hangingPunct="1">
         <a:lnSpc>
-          <a:spcPct val="90000"/>
+          <a:spcPct val="100000"/>
         </a:lnSpc>
         <a:spcBef>
           <a:spcPts val="171"/>
         </a:spcBef>
-        <a:buFont typeface="Arial" panose="020B0604020202020204" pitchFamily="34" charset="0"/>
-        <a:buChar char="•"/>
-        <a:defRPr sz="614" kern="1200">
+        <a:buClr>
+          <a:schemeClr val="tx1">
+            <a:lumMod val="85000"/>
+            <a:lumOff val="15000"/>
+          </a:schemeClr>
+        </a:buClr>
+        <a:buFont typeface="Garamond" pitchFamily="18" charset="0"/>
+        <a:buChar char="◦"/>
+        <a:defRPr sz="478" kern="1200">
           <a:solidFill>
             <a:schemeClr val="tx1"/>
           </a:solidFill>
@@ -2831,16 +4071,22 @@
           <a:cs typeface="+mn-cs"/>
         </a:defRPr>
       </a:lvl8pPr>
-      <a:lvl9pPr marL="1325971" indent="-77998" algn="l" defTabSz="311993" rtl="0" eaLnBrk="1" latinLnBrk="0" hangingPunct="1">
+      <a:lvl9pPr marL="853000" indent="-77998" algn="l" defTabSz="311993" rtl="0" eaLnBrk="1" latinLnBrk="0" hangingPunct="1">
         <a:lnSpc>
-          <a:spcPct val="90000"/>
+          <a:spcPct val="100000"/>
         </a:lnSpc>
         <a:spcBef>
           <a:spcPts val="171"/>
         </a:spcBef>
-        <a:buFont typeface="Arial" panose="020B0604020202020204" pitchFamily="34" charset="0"/>
-        <a:buChar char="•"/>
-        <a:defRPr sz="614" kern="1200">
+        <a:buClr>
+          <a:schemeClr val="tx1">
+            <a:lumMod val="85000"/>
+            <a:lumOff val="15000"/>
+          </a:schemeClr>
+        </a:buClr>
+        <a:buFont typeface="Garamond" pitchFamily="18" charset="0"/>
+        <a:buChar char="◦"/>
+        <a:defRPr sz="478" kern="1200">
           <a:solidFill>
             <a:schemeClr val="tx1"/>
           </a:solidFill>
@@ -2952,6 +4198,14 @@
 <file path=ppt/slides/slide1.xml><?xml version="1.0" encoding="utf-8"?>
 <p:sld xmlns:a="http://schemas.openxmlformats.org/drawingml/2006/main" xmlns:r="http://schemas.openxmlformats.org/officeDocument/2006/relationships" xmlns:p="http://schemas.openxmlformats.org/presentationml/2006/main">
   <p:cSld>
+    <p:bg>
+      <p:bgPr>
+        <a:solidFill>
+          <a:schemeClr val="bg1"/>
+        </a:solidFill>
+        <a:effectLst/>
+      </p:bgPr>
+    </p:bg>
     <p:spTree>
       <p:nvGrpSpPr>
         <p:cNvPr id="1" name=""/>
@@ -2966,74 +4220,42 @@
           <a:chExt cx="0" cy="0"/>
         </a:xfrm>
       </p:grpSpPr>
-      <p:sp>
-        <p:nvSpPr>
-          <p:cNvPr id="6" name="Rectangle 5">
+      <p:pic>
+        <p:nvPicPr>
+          <p:cNvPr id="7" name="Picture 6" descr="A close up of a sign&#10;&#10;Description automatically generated">
             <a:extLst>
               <a:ext uri="{FF2B5EF4-FFF2-40B4-BE49-F238E27FC236}">
-                <a16:creationId xmlns:a16="http://schemas.microsoft.com/office/drawing/2014/main" id="{05A17C0D-FCF7-43AB-8DD2-F990E69CC23B}"/>
+                <a16:creationId xmlns:a16="http://schemas.microsoft.com/office/drawing/2014/main" id="{52E820B8-8AFC-42CB-BB54-B2A85E297817}"/>
               </a:ext>
             </a:extLst>
           </p:cNvPr>
-          <p:cNvSpPr/>
+          <p:cNvPicPr>
+            <a:picLocks noChangeAspect="1"/>
+          </p:cNvPicPr>
           <p:nvPr/>
-        </p:nvSpPr>
-        <p:spPr>
-          <a:xfrm>
-            <a:off x="0" y="0"/>
-            <a:ext cx="3240000" cy="2340000"/>
+        </p:nvPicPr>
+        <p:blipFill>
+          <a:blip r:embed="rId2">
+            <a:extLst>
+              <a:ext uri="{28A0092B-C50C-407E-A947-70E740481C1C}">
+                <a14:useLocalDpi xmlns:a14="http://schemas.microsoft.com/office/drawing/2010/main" val="0"/>
+              </a:ext>
+            </a:extLst>
+          </a:blip>
+          <a:stretch>
+            <a:fillRect/>
+          </a:stretch>
+        </p:blipFill>
+        <p:spPr>
+          <a:xfrm>
+            <a:off x="721063" y="271007"/>
+            <a:ext cx="1797960" cy="1797960"/>
           </a:xfrm>
           <a:prstGeom prst="rect">
             <a:avLst/>
           </a:prstGeom>
-          <a:ln>
-            <a:noFill/>
-          </a:ln>
-          <a:effectLst>
-            <a:outerShdw blurRad="190500" dist="228600" dir="2700000" algn="ctr">
-              <a:srgbClr val="000000">
-                <a:alpha val="30000"/>
-              </a:srgbClr>
-            </a:outerShdw>
-          </a:effectLst>
-          <a:scene3d>
-            <a:camera prst="orthographicFront">
-              <a:rot lat="0" lon="0" rev="0"/>
-            </a:camera>
-            <a:lightRig rig="glow" dir="t">
-              <a:rot lat="0" lon="0" rev="4800000"/>
-            </a:lightRig>
-          </a:scene3d>
-          <a:sp3d prstMaterial="matte">
-            <a:bevelT w="127000" h="63500"/>
-          </a:sp3d>
-        </p:spPr>
-        <p:style>
-          <a:lnRef idx="0">
-            <a:schemeClr val="accent3"/>
-          </a:lnRef>
-          <a:fillRef idx="3">
-            <a:schemeClr val="accent3"/>
-          </a:fillRef>
-          <a:effectRef idx="3">
-            <a:schemeClr val="accent3"/>
-          </a:effectRef>
-          <a:fontRef idx="minor">
-            <a:schemeClr val="lt1"/>
-          </a:fontRef>
-        </p:style>
-        <p:txBody>
-          <a:bodyPr rtlCol="0" anchor="ctr"/>
-          <a:lstStyle/>
-          <a:p>
-            <a:pPr algn="ctr"/>
-            <a:r>
-              <a:rPr lang="en-CA" sz="4800" dirty="0"/>
-              <a:t>Topic Discovery</a:t>
-            </a:r>
-          </a:p>
-        </p:txBody>
-      </p:sp>
+        </p:spPr>
+      </p:pic>
     </p:spTree>
     <p:extLst>
       <p:ext uri="{BB962C8B-B14F-4D97-AF65-F5344CB8AC3E}">
@@ -3047,10 +4269,823 @@
 </p:sld>
 </file>
 
+<file path=ppt/slides/slide2.xml><?xml version="1.0" encoding="utf-8"?>
+<p:sld xmlns:a="http://schemas.openxmlformats.org/drawingml/2006/main" xmlns:r="http://schemas.openxmlformats.org/officeDocument/2006/relationships" xmlns:p="http://schemas.openxmlformats.org/presentationml/2006/main" showMasterSp="0">
+  <p:cSld>
+    <p:spTree>
+      <p:nvGrpSpPr>
+        <p:cNvPr id="1" name=""/>
+        <p:cNvGrpSpPr/>
+        <p:nvPr/>
+      </p:nvGrpSpPr>
+      <p:grpSpPr>
+        <a:xfrm>
+          <a:off x="0" y="0"/>
+          <a:ext cx="0" cy="0"/>
+          <a:chOff x="0" y="0"/>
+          <a:chExt cx="0" cy="0"/>
+        </a:xfrm>
+      </p:grpSpPr>
+      <p:sp>
+        <p:nvSpPr>
+          <p:cNvPr id="4" name="Rectangle: Rounded Corners 3">
+            <a:extLst>
+              <a:ext uri="{FF2B5EF4-FFF2-40B4-BE49-F238E27FC236}">
+                <a16:creationId xmlns:a16="http://schemas.microsoft.com/office/drawing/2014/main" id="{DC2E64C2-4648-4842-9C06-9A19CCFB94A6}"/>
+              </a:ext>
+            </a:extLst>
+          </p:cNvPr>
+          <p:cNvSpPr/>
+          <p:nvPr/>
+        </p:nvSpPr>
+        <p:spPr>
+          <a:xfrm>
+            <a:off x="-122492" y="-117074"/>
+            <a:ext cx="3485072" cy="2574122"/>
+          </a:xfrm>
+          <a:prstGeom prst="roundRect">
+            <a:avLst/>
+          </a:prstGeom>
+          <a:solidFill>
+            <a:schemeClr val="bg1">
+              <a:lumMod val="75000"/>
+            </a:schemeClr>
+          </a:solidFill>
+          <a:ln>
+            <a:noFill/>
+          </a:ln>
+        </p:spPr>
+        <p:style>
+          <a:lnRef idx="2">
+            <a:schemeClr val="accent1">
+              <a:shade val="50000"/>
+            </a:schemeClr>
+          </a:lnRef>
+          <a:fillRef idx="1">
+            <a:schemeClr val="accent1"/>
+          </a:fillRef>
+          <a:effectRef idx="0">
+            <a:schemeClr val="accent1"/>
+          </a:effectRef>
+          <a:fontRef idx="minor">
+            <a:schemeClr val="lt1"/>
+          </a:fontRef>
+        </p:style>
+        <p:txBody>
+          <a:bodyPr rtlCol="0" anchor="ctr"/>
+          <a:lstStyle/>
+          <a:p>
+            <a:pPr algn="ctr"/>
+            <a:r>
+              <a:rPr lang="en-CA" sz="2600" dirty="0"/>
+              <a:t>Strategy Recommendation</a:t>
+            </a:r>
+          </a:p>
+        </p:txBody>
+      </p:sp>
+      <p:pic>
+        <p:nvPicPr>
+          <p:cNvPr id="5" name="Picture 4" descr="A close up of a sign&#10;&#10;Description automatically generated">
+            <a:extLst>
+              <a:ext uri="{FF2B5EF4-FFF2-40B4-BE49-F238E27FC236}">
+                <a16:creationId xmlns:a16="http://schemas.microsoft.com/office/drawing/2014/main" id="{A457A1E0-2D84-4594-B9C7-91DB00FB402A}"/>
+              </a:ext>
+            </a:extLst>
+          </p:cNvPr>
+          <p:cNvPicPr>
+            <a:picLocks noChangeAspect="1"/>
+          </p:cNvPicPr>
+          <p:nvPr/>
+        </p:nvPicPr>
+        <p:blipFill>
+          <a:blip r:embed="rId2">
+            <a:extLst>
+              <a:ext uri="{28A0092B-C50C-407E-A947-70E740481C1C}">
+                <a14:useLocalDpi xmlns:a14="http://schemas.microsoft.com/office/drawing/2010/main" val="0"/>
+              </a:ext>
+            </a:extLst>
+          </a:blip>
+          <a:stretch>
+            <a:fillRect/>
+          </a:stretch>
+        </p:blipFill>
+        <p:spPr>
+          <a:xfrm rot="1466432">
+            <a:off x="2289513" y="21676"/>
+            <a:ext cx="856118" cy="856118"/>
+          </a:xfrm>
+          <a:prstGeom prst="rect">
+            <a:avLst/>
+          </a:prstGeom>
+        </p:spPr>
+      </p:pic>
+    </p:spTree>
+    <p:extLst>
+      <p:ext uri="{BB962C8B-B14F-4D97-AF65-F5344CB8AC3E}">
+        <p14:creationId xmlns:p14="http://schemas.microsoft.com/office/powerpoint/2010/main" val="3228450871"/>
+      </p:ext>
+    </p:extLst>
+  </p:cSld>
+  <p:clrMapOvr>
+    <a:masterClrMapping/>
+  </p:clrMapOvr>
+</p:sld>
+</file>
+
+<file path=ppt/slides/slide3.xml><?xml version="1.0" encoding="utf-8"?>
+<p:sld xmlns:a="http://schemas.openxmlformats.org/drawingml/2006/main" xmlns:r="http://schemas.openxmlformats.org/officeDocument/2006/relationships" xmlns:p="http://schemas.openxmlformats.org/presentationml/2006/main" showMasterSp="0">
+  <p:cSld>
+    <p:spTree>
+      <p:nvGrpSpPr>
+        <p:cNvPr id="1" name=""/>
+        <p:cNvGrpSpPr/>
+        <p:nvPr/>
+      </p:nvGrpSpPr>
+      <p:grpSpPr>
+        <a:xfrm>
+          <a:off x="0" y="0"/>
+          <a:ext cx="0" cy="0"/>
+          <a:chOff x="0" y="0"/>
+          <a:chExt cx="0" cy="0"/>
+        </a:xfrm>
+      </p:grpSpPr>
+      <p:pic>
+        <p:nvPicPr>
+          <p:cNvPr id="4" name="Picture 3" descr="A close up of a sign&#10;&#10;Description automatically generated">
+            <a:extLst>
+              <a:ext uri="{FF2B5EF4-FFF2-40B4-BE49-F238E27FC236}">
+                <a16:creationId xmlns:a16="http://schemas.microsoft.com/office/drawing/2014/main" id="{7D5CA753-CD7C-4A2A-8282-B28F690611E8}"/>
+              </a:ext>
+            </a:extLst>
+          </p:cNvPr>
+          <p:cNvPicPr>
+            <a:picLocks noChangeAspect="1"/>
+          </p:cNvPicPr>
+          <p:nvPr/>
+        </p:nvPicPr>
+        <p:blipFill>
+          <a:blip r:embed="rId2">
+            <a:extLst>
+              <a:ext uri="{28A0092B-C50C-407E-A947-70E740481C1C}">
+                <a14:useLocalDpi xmlns:a14="http://schemas.microsoft.com/office/drawing/2010/main" val="0"/>
+              </a:ext>
+            </a:extLst>
+          </a:blip>
+          <a:stretch>
+            <a:fillRect/>
+          </a:stretch>
+        </p:blipFill>
+        <p:spPr>
+          <a:xfrm>
+            <a:off x="-102466" y="-597406"/>
+            <a:ext cx="3342554" cy="3342554"/>
+          </a:xfrm>
+          <a:prstGeom prst="rect">
+            <a:avLst/>
+          </a:prstGeom>
+        </p:spPr>
+      </p:pic>
+      <p:sp>
+        <p:nvSpPr>
+          <p:cNvPr id="5" name="TextBox 4">
+            <a:extLst>
+              <a:ext uri="{FF2B5EF4-FFF2-40B4-BE49-F238E27FC236}">
+                <a16:creationId xmlns:a16="http://schemas.microsoft.com/office/drawing/2014/main" id="{B385EFED-2D73-409A-8473-CA34F026095D}"/>
+              </a:ext>
+            </a:extLst>
+          </p:cNvPr>
+          <p:cNvSpPr txBox="1"/>
+          <p:nvPr/>
+        </p:nvSpPr>
+        <p:spPr>
+          <a:xfrm>
+            <a:off x="198618" y="754488"/>
+            <a:ext cx="2856562" cy="830997"/>
+          </a:xfrm>
+          <a:prstGeom prst="rect">
+            <a:avLst/>
+          </a:prstGeom>
+          <a:noFill/>
+        </p:spPr>
+        <p:txBody>
+          <a:bodyPr wrap="square" rtlCol="0">
+            <a:spAutoFit/>
+          </a:bodyPr>
+          <a:lstStyle/>
+          <a:p>
+            <a:pPr algn="ctr"/>
+            <a:r>
+              <a:rPr lang="en-CA" sz="2400" b="1" dirty="0">
+                <a:solidFill>
+                  <a:schemeClr val="bg1"/>
+                </a:solidFill>
+              </a:rPr>
+              <a:t>Strategy Recommendation</a:t>
+            </a:r>
+          </a:p>
+        </p:txBody>
+      </p:sp>
+      <p:pic>
+        <p:nvPicPr>
+          <p:cNvPr id="6" name="Picture 5" descr="A picture containing room&#10;&#10;Description automatically generated">
+            <a:extLst>
+              <a:ext uri="{FF2B5EF4-FFF2-40B4-BE49-F238E27FC236}">
+                <a16:creationId xmlns:a16="http://schemas.microsoft.com/office/drawing/2014/main" id="{F0921728-1135-4DE7-A8D7-40E5CD7DF417}"/>
+              </a:ext>
+            </a:extLst>
+          </p:cNvPr>
+          <p:cNvPicPr>
+            <a:picLocks noChangeAspect="1"/>
+          </p:cNvPicPr>
+          <p:nvPr/>
+        </p:nvPicPr>
+        <p:blipFill>
+          <a:blip r:embed="rId3">
+            <a:extLst>
+              <a:ext uri="{28A0092B-C50C-407E-A947-70E740481C1C}">
+                <a14:useLocalDpi xmlns:a14="http://schemas.microsoft.com/office/drawing/2010/main" val="0"/>
+              </a:ext>
+            </a:extLst>
+          </a:blip>
+          <a:stretch>
+            <a:fillRect/>
+          </a:stretch>
+        </p:blipFill>
+        <p:spPr>
+          <a:xfrm>
+            <a:off x="3652426" y="-490654"/>
+            <a:ext cx="3523289" cy="3230208"/>
+          </a:xfrm>
+          <a:prstGeom prst="rect">
+            <a:avLst/>
+          </a:prstGeom>
+        </p:spPr>
+      </p:pic>
+      <p:sp>
+        <p:nvSpPr>
+          <p:cNvPr id="7" name="TextBox 6">
+            <a:extLst>
+              <a:ext uri="{FF2B5EF4-FFF2-40B4-BE49-F238E27FC236}">
+                <a16:creationId xmlns:a16="http://schemas.microsoft.com/office/drawing/2014/main" id="{F92BE3A4-F596-4A0A-8157-A01B319F5AF5}"/>
+              </a:ext>
+            </a:extLst>
+          </p:cNvPr>
+          <p:cNvSpPr txBox="1"/>
+          <p:nvPr/>
+        </p:nvSpPr>
+        <p:spPr>
+          <a:xfrm>
+            <a:off x="4097618" y="945896"/>
+            <a:ext cx="2632904" cy="830997"/>
+          </a:xfrm>
+          <a:prstGeom prst="rect">
+            <a:avLst/>
+          </a:prstGeom>
+          <a:noFill/>
+        </p:spPr>
+        <p:txBody>
+          <a:bodyPr wrap="square" rtlCol="0">
+            <a:spAutoFit/>
+          </a:bodyPr>
+          <a:lstStyle/>
+          <a:p>
+            <a:pPr algn="ctr"/>
+            <a:r>
+              <a:rPr lang="en-CA" sz="2400" b="1" dirty="0">
+                <a:solidFill>
+                  <a:schemeClr val="bg1"/>
+                </a:solidFill>
+              </a:rPr>
+              <a:t>Success Forecast</a:t>
+            </a:r>
+          </a:p>
+        </p:txBody>
+      </p:sp>
+      <p:cxnSp>
+        <p:nvCxnSpPr>
+          <p:cNvPr id="9" name="Straight Connector 8">
+            <a:extLst>
+              <a:ext uri="{FF2B5EF4-FFF2-40B4-BE49-F238E27FC236}">
+                <a16:creationId xmlns:a16="http://schemas.microsoft.com/office/drawing/2014/main" id="{7E36CF8B-1A81-494D-8CC5-3B62467C39E2}"/>
+              </a:ext>
+            </a:extLst>
+          </p:cNvPr>
+          <p:cNvCxnSpPr>
+            <a:cxnSpLocks/>
+          </p:cNvCxnSpPr>
+          <p:nvPr/>
+        </p:nvCxnSpPr>
+        <p:spPr>
+          <a:xfrm flipV="1">
+            <a:off x="0" y="2745148"/>
+            <a:ext cx="9190495" cy="13550"/>
+          </a:xfrm>
+          <a:prstGeom prst="line">
+            <a:avLst/>
+          </a:prstGeom>
+        </p:spPr>
+        <p:style>
+          <a:lnRef idx="1">
+            <a:schemeClr val="accent1"/>
+          </a:lnRef>
+          <a:fillRef idx="0">
+            <a:schemeClr val="accent1"/>
+          </a:fillRef>
+          <a:effectRef idx="0">
+            <a:schemeClr val="accent1"/>
+          </a:effectRef>
+          <a:fontRef idx="minor">
+            <a:schemeClr val="tx1"/>
+          </a:fontRef>
+        </p:style>
+      </p:cxnSp>
+      <p:cxnSp>
+        <p:nvCxnSpPr>
+          <p:cNvPr id="11" name="Straight Connector 10">
+            <a:extLst>
+              <a:ext uri="{FF2B5EF4-FFF2-40B4-BE49-F238E27FC236}">
+                <a16:creationId xmlns:a16="http://schemas.microsoft.com/office/drawing/2014/main" id="{E349E73C-CB17-409C-BA63-A27B55FDAF35}"/>
+              </a:ext>
+            </a:extLst>
+          </p:cNvPr>
+          <p:cNvCxnSpPr>
+            <a:cxnSpLocks/>
+          </p:cNvCxnSpPr>
+          <p:nvPr/>
+        </p:nvCxnSpPr>
+        <p:spPr>
+          <a:xfrm flipV="1">
+            <a:off x="-219559" y="-584645"/>
+            <a:ext cx="9190495" cy="13550"/>
+          </a:xfrm>
+          <a:prstGeom prst="line">
+            <a:avLst/>
+          </a:prstGeom>
+        </p:spPr>
+        <p:style>
+          <a:lnRef idx="1">
+            <a:schemeClr val="accent1"/>
+          </a:lnRef>
+          <a:fillRef idx="0">
+            <a:schemeClr val="accent1"/>
+          </a:fillRef>
+          <a:effectRef idx="0">
+            <a:schemeClr val="accent1"/>
+          </a:effectRef>
+          <a:fontRef idx="minor">
+            <a:schemeClr val="tx1"/>
+          </a:fontRef>
+        </p:style>
+      </p:cxnSp>
+      <p:pic>
+        <p:nvPicPr>
+          <p:cNvPr id="13" name="Picture 12" descr="A picture containing honeycomb&#10;&#10;Description automatically generated">
+            <a:extLst>
+              <a:ext uri="{FF2B5EF4-FFF2-40B4-BE49-F238E27FC236}">
+                <a16:creationId xmlns:a16="http://schemas.microsoft.com/office/drawing/2014/main" id="{0DF56B13-64DF-4927-9049-3D29B569576C}"/>
+              </a:ext>
+            </a:extLst>
+          </p:cNvPr>
+          <p:cNvPicPr>
+            <a:picLocks noChangeAspect="1"/>
+          </p:cNvPicPr>
+          <p:nvPr/>
+        </p:nvPicPr>
+        <p:blipFill>
+          <a:blip r:embed="rId4">
+            <a:extLst>
+              <a:ext uri="{28A0092B-C50C-407E-A947-70E740481C1C}">
+                <a14:useLocalDpi xmlns:a14="http://schemas.microsoft.com/office/drawing/2010/main" val="0"/>
+              </a:ext>
+            </a:extLst>
+          </a:blip>
+          <a:stretch>
+            <a:fillRect/>
+          </a:stretch>
+        </p:blipFill>
+        <p:spPr>
+          <a:xfrm rot="16200000">
+            <a:off x="1057926" y="2757972"/>
+            <a:ext cx="3310649" cy="5631430"/>
+          </a:xfrm>
+          <a:prstGeom prst="rect">
+            <a:avLst/>
+          </a:prstGeom>
+        </p:spPr>
+      </p:pic>
+      <p:sp>
+        <p:nvSpPr>
+          <p:cNvPr id="14" name="TextBox 13">
+            <a:extLst>
+              <a:ext uri="{FF2B5EF4-FFF2-40B4-BE49-F238E27FC236}">
+                <a16:creationId xmlns:a16="http://schemas.microsoft.com/office/drawing/2014/main" id="{898303BC-03B8-43F2-B5F7-E09A8E0BB9CB}"/>
+              </a:ext>
+            </a:extLst>
+          </p:cNvPr>
+          <p:cNvSpPr txBox="1"/>
+          <p:nvPr/>
+        </p:nvSpPr>
+        <p:spPr>
+          <a:xfrm>
+            <a:off x="1976794" y="5107916"/>
+            <a:ext cx="2856562" cy="1200329"/>
+          </a:xfrm>
+          <a:prstGeom prst="rect">
+            <a:avLst/>
+          </a:prstGeom>
+          <a:noFill/>
+        </p:spPr>
+        <p:txBody>
+          <a:bodyPr wrap="square" rtlCol="0">
+            <a:spAutoFit/>
+          </a:bodyPr>
+          <a:lstStyle/>
+          <a:p>
+            <a:pPr algn="ctr"/>
+            <a:r>
+              <a:rPr lang="en-CA" sz="3600" b="1" dirty="0">
+                <a:solidFill>
+                  <a:schemeClr val="bg1"/>
+                </a:solidFill>
+              </a:rPr>
+              <a:t>Similarity</a:t>
+            </a:r>
+          </a:p>
+          <a:p>
+            <a:pPr algn="ctr"/>
+            <a:r>
+              <a:rPr lang="en-CA" sz="3600" b="1" dirty="0">
+                <a:solidFill>
+                  <a:schemeClr val="bg1"/>
+                </a:solidFill>
+              </a:rPr>
+              <a:t>Search</a:t>
+            </a:r>
+          </a:p>
+        </p:txBody>
+      </p:sp>
+      <p:pic>
+        <p:nvPicPr>
+          <p:cNvPr id="16" name="Picture 15" descr="A picture containing aircraft, balloon, transport, accessory&#10;&#10;Description automatically generated">
+            <a:extLst>
+              <a:ext uri="{FF2B5EF4-FFF2-40B4-BE49-F238E27FC236}">
+                <a16:creationId xmlns:a16="http://schemas.microsoft.com/office/drawing/2014/main" id="{39E4C8CE-D609-429C-A240-297F4F75DED8}"/>
+              </a:ext>
+            </a:extLst>
+          </p:cNvPr>
+          <p:cNvPicPr>
+            <a:picLocks noChangeAspect="1"/>
+          </p:cNvPicPr>
+          <p:nvPr/>
+        </p:nvPicPr>
+        <p:blipFill>
+          <a:blip r:embed="rId5">
+            <a:extLst>
+              <a:ext uri="{28A0092B-C50C-407E-A947-70E740481C1C}">
+                <a14:useLocalDpi xmlns:a14="http://schemas.microsoft.com/office/drawing/2010/main" val="0"/>
+              </a:ext>
+            </a:extLst>
+          </a:blip>
+          <a:stretch>
+            <a:fillRect/>
+          </a:stretch>
+        </p:blipFill>
+        <p:spPr>
+          <a:xfrm>
+            <a:off x="2229699" y="-4786210"/>
+            <a:ext cx="4134174" cy="3342554"/>
+          </a:xfrm>
+          <a:prstGeom prst="rect">
+            <a:avLst/>
+          </a:prstGeom>
+        </p:spPr>
+      </p:pic>
+      <p:sp>
+        <p:nvSpPr>
+          <p:cNvPr id="17" name="TextBox 16">
+            <a:extLst>
+              <a:ext uri="{FF2B5EF4-FFF2-40B4-BE49-F238E27FC236}">
+                <a16:creationId xmlns:a16="http://schemas.microsoft.com/office/drawing/2014/main" id="{17DC18AD-DD23-4F43-B140-28F654FDDB2B}"/>
+              </a:ext>
+            </a:extLst>
+          </p:cNvPr>
+          <p:cNvSpPr txBox="1"/>
+          <p:nvPr/>
+        </p:nvSpPr>
+        <p:spPr>
+          <a:xfrm>
+            <a:off x="2960812" y="-3678680"/>
+            <a:ext cx="2856562" cy="830997"/>
+          </a:xfrm>
+          <a:prstGeom prst="rect">
+            <a:avLst/>
+          </a:prstGeom>
+          <a:noFill/>
+        </p:spPr>
+        <p:txBody>
+          <a:bodyPr wrap="square" rtlCol="0">
+            <a:spAutoFit/>
+          </a:bodyPr>
+          <a:lstStyle/>
+          <a:p>
+            <a:pPr algn="ctr"/>
+            <a:r>
+              <a:rPr lang="en-CA" sz="2400" b="1" dirty="0">
+                <a:solidFill>
+                  <a:schemeClr val="bg1"/>
+                </a:solidFill>
+              </a:rPr>
+              <a:t>Company Information</a:t>
+            </a:r>
+          </a:p>
+        </p:txBody>
+      </p:sp>
+      <p:pic>
+        <p:nvPicPr>
+          <p:cNvPr id="19" name="Picture 18" descr="A picture containing clock&#10;&#10;Description automatically generated">
+            <a:extLst>
+              <a:ext uri="{FF2B5EF4-FFF2-40B4-BE49-F238E27FC236}">
+                <a16:creationId xmlns:a16="http://schemas.microsoft.com/office/drawing/2014/main" id="{9590E3E4-5C81-4D93-86CB-086CC6078700}"/>
+              </a:ext>
+            </a:extLst>
+          </p:cNvPr>
+          <p:cNvPicPr>
+            <a:picLocks noChangeAspect="1"/>
+          </p:cNvPicPr>
+          <p:nvPr/>
+        </p:nvPicPr>
+        <p:blipFill>
+          <a:blip r:embed="rId6">
+            <a:extLst>
+              <a:ext uri="{28A0092B-C50C-407E-A947-70E740481C1C}">
+                <a14:useLocalDpi xmlns:a14="http://schemas.microsoft.com/office/drawing/2010/main" val="0"/>
+              </a:ext>
+            </a:extLst>
+          </a:blip>
+          <a:stretch>
+            <a:fillRect/>
+          </a:stretch>
+        </p:blipFill>
+        <p:spPr>
+          <a:xfrm>
+            <a:off x="6363873" y="-4507030"/>
+            <a:ext cx="4349804" cy="3342554"/>
+          </a:xfrm>
+          <a:prstGeom prst="rect">
+            <a:avLst/>
+          </a:prstGeom>
+        </p:spPr>
+      </p:pic>
+      <p:sp>
+        <p:nvSpPr>
+          <p:cNvPr id="20" name="TextBox 19">
+            <a:extLst>
+              <a:ext uri="{FF2B5EF4-FFF2-40B4-BE49-F238E27FC236}">
+                <a16:creationId xmlns:a16="http://schemas.microsoft.com/office/drawing/2014/main" id="{27BC30E3-666D-4150-8ACB-D7C318165876}"/>
+              </a:ext>
+            </a:extLst>
+          </p:cNvPr>
+          <p:cNvSpPr txBox="1"/>
+          <p:nvPr/>
+        </p:nvSpPr>
+        <p:spPr>
+          <a:xfrm>
+            <a:off x="7226334" y="-3264013"/>
+            <a:ext cx="2856562" cy="830997"/>
+          </a:xfrm>
+          <a:prstGeom prst="rect">
+            <a:avLst/>
+          </a:prstGeom>
+          <a:noFill/>
+        </p:spPr>
+        <p:txBody>
+          <a:bodyPr wrap="square" rtlCol="0">
+            <a:spAutoFit/>
+          </a:bodyPr>
+          <a:lstStyle/>
+          <a:p>
+            <a:pPr algn="ctr"/>
+            <a:r>
+              <a:rPr lang="en-CA" sz="2400" b="1" dirty="0">
+                <a:solidFill>
+                  <a:schemeClr val="bg1"/>
+                </a:solidFill>
+              </a:rPr>
+              <a:t>Industry</a:t>
+            </a:r>
+          </a:p>
+          <a:p>
+            <a:pPr algn="ctr"/>
+            <a:r>
+              <a:rPr lang="en-CA" sz="2400" b="1" dirty="0">
+                <a:solidFill>
+                  <a:schemeClr val="bg1"/>
+                </a:solidFill>
+              </a:rPr>
+              <a:t>Trend</a:t>
+            </a:r>
+          </a:p>
+        </p:txBody>
+      </p:sp>
+      <p:pic>
+        <p:nvPicPr>
+          <p:cNvPr id="22" name="Picture 21" descr="A close up of a logo&#10;&#10;Description automatically generated">
+            <a:extLst>
+              <a:ext uri="{FF2B5EF4-FFF2-40B4-BE49-F238E27FC236}">
+                <a16:creationId xmlns:a16="http://schemas.microsoft.com/office/drawing/2014/main" id="{D4D530D5-AECF-4195-9300-9F1E9FB4BC05}"/>
+              </a:ext>
+            </a:extLst>
+          </p:cNvPr>
+          <p:cNvPicPr>
+            <a:picLocks noChangeAspect="1"/>
+          </p:cNvPicPr>
+          <p:nvPr/>
+        </p:nvPicPr>
+        <p:blipFill>
+          <a:blip r:embed="rId7">
+            <a:extLst>
+              <a:ext uri="{28A0092B-C50C-407E-A947-70E740481C1C}">
+                <a14:useLocalDpi xmlns:a14="http://schemas.microsoft.com/office/drawing/2010/main" val="0"/>
+              </a:ext>
+            </a:extLst>
+          </a:blip>
+          <a:stretch>
+            <a:fillRect/>
+          </a:stretch>
+        </p:blipFill>
+        <p:spPr>
+          <a:xfrm>
+            <a:off x="-5062777" y="-588936"/>
+            <a:ext cx="4084419" cy="3342554"/>
+          </a:xfrm>
+          <a:prstGeom prst="rect">
+            <a:avLst/>
+          </a:prstGeom>
+        </p:spPr>
+      </p:pic>
+      <p:sp>
+        <p:nvSpPr>
+          <p:cNvPr id="23" name="TextBox 22">
+            <a:extLst>
+              <a:ext uri="{FF2B5EF4-FFF2-40B4-BE49-F238E27FC236}">
+                <a16:creationId xmlns:a16="http://schemas.microsoft.com/office/drawing/2014/main" id="{A5B3606B-245C-4AA2-B50F-669F98D6CD2D}"/>
+              </a:ext>
+            </a:extLst>
+          </p:cNvPr>
+          <p:cNvSpPr txBox="1"/>
+          <p:nvPr/>
+        </p:nvSpPr>
+        <p:spPr>
+          <a:xfrm>
+            <a:off x="-3974940" y="899729"/>
+            <a:ext cx="2856562" cy="461665"/>
+          </a:xfrm>
+          <a:prstGeom prst="rect">
+            <a:avLst/>
+          </a:prstGeom>
+          <a:noFill/>
+        </p:spPr>
+        <p:txBody>
+          <a:bodyPr wrap="square" rtlCol="0">
+            <a:spAutoFit/>
+          </a:bodyPr>
+          <a:lstStyle/>
+          <a:p>
+            <a:pPr algn="ctr"/>
+            <a:r>
+              <a:rPr lang="en-CA" sz="2400" b="1" dirty="0">
+                <a:solidFill>
+                  <a:schemeClr val="bg1"/>
+                </a:solidFill>
+              </a:rPr>
+              <a:t>Data</a:t>
+            </a:r>
+          </a:p>
+        </p:txBody>
+      </p:sp>
+    </p:spTree>
+    <p:extLst>
+      <p:ext uri="{BB962C8B-B14F-4D97-AF65-F5344CB8AC3E}">
+        <p14:creationId xmlns:p14="http://schemas.microsoft.com/office/powerpoint/2010/main" val="3326969800"/>
+      </p:ext>
+    </p:extLst>
+  </p:cSld>
+  <p:clrMapOvr>
+    <a:masterClrMapping/>
+  </p:clrMapOvr>
+</p:sld>
+</file>
+
+<file path=ppt/slides/slide4.xml><?xml version="1.0" encoding="utf-8"?>
+<p:sld xmlns:a="http://schemas.openxmlformats.org/drawingml/2006/main" xmlns:r="http://schemas.openxmlformats.org/officeDocument/2006/relationships" xmlns:p="http://schemas.openxmlformats.org/presentationml/2006/main" showMasterSp="0">
+  <p:cSld>
+    <p:spTree>
+      <p:nvGrpSpPr>
+        <p:cNvPr id="1" name=""/>
+        <p:cNvGrpSpPr/>
+        <p:nvPr/>
+      </p:nvGrpSpPr>
+      <p:grpSpPr>
+        <a:xfrm>
+          <a:off x="0" y="0"/>
+          <a:ext cx="0" cy="0"/>
+          <a:chOff x="0" y="0"/>
+          <a:chExt cx="0" cy="0"/>
+        </a:xfrm>
+      </p:grpSpPr>
+      <p:pic>
+        <p:nvPicPr>
+          <p:cNvPr id="5" name="Picture 4" descr="A picture containing room&#10;&#10;Description automatically generated">
+            <a:extLst>
+              <a:ext uri="{FF2B5EF4-FFF2-40B4-BE49-F238E27FC236}">
+                <a16:creationId xmlns:a16="http://schemas.microsoft.com/office/drawing/2014/main" id="{C3176F32-56AF-4D20-8045-5D1B22162EF3}"/>
+              </a:ext>
+            </a:extLst>
+          </p:cNvPr>
+          <p:cNvPicPr>
+            <a:picLocks noChangeAspect="1"/>
+          </p:cNvPicPr>
+          <p:nvPr/>
+        </p:nvPicPr>
+        <p:blipFill>
+          <a:blip r:embed="rId2">
+            <a:extLst>
+              <a:ext uri="{28A0092B-C50C-407E-A947-70E740481C1C}">
+                <a14:useLocalDpi xmlns:a14="http://schemas.microsoft.com/office/drawing/2010/main" val="0"/>
+              </a:ext>
+            </a:extLst>
+          </a:blip>
+          <a:stretch>
+            <a:fillRect/>
+          </a:stretch>
+        </p:blipFill>
+        <p:spPr>
+          <a:xfrm>
+            <a:off x="192337" y="0"/>
+            <a:ext cx="2855414" cy="2339975"/>
+          </a:xfrm>
+          <a:prstGeom prst="rect">
+            <a:avLst/>
+          </a:prstGeom>
+        </p:spPr>
+      </p:pic>
+      <p:sp>
+        <p:nvSpPr>
+          <p:cNvPr id="6" name="TextBox 5">
+            <a:extLst>
+              <a:ext uri="{FF2B5EF4-FFF2-40B4-BE49-F238E27FC236}">
+                <a16:creationId xmlns:a16="http://schemas.microsoft.com/office/drawing/2014/main" id="{61811F3B-9B21-4A42-98B3-17DC267095F6}"/>
+              </a:ext>
+            </a:extLst>
+          </p:cNvPr>
+          <p:cNvSpPr txBox="1"/>
+          <p:nvPr/>
+        </p:nvSpPr>
+        <p:spPr>
+          <a:xfrm>
+            <a:off x="303592" y="977893"/>
+            <a:ext cx="2632904" cy="830997"/>
+          </a:xfrm>
+          <a:prstGeom prst="rect">
+            <a:avLst/>
+          </a:prstGeom>
+          <a:noFill/>
+        </p:spPr>
+        <p:txBody>
+          <a:bodyPr wrap="square" rtlCol="0">
+            <a:spAutoFit/>
+          </a:bodyPr>
+          <a:lstStyle/>
+          <a:p>
+            <a:pPr algn="ctr"/>
+            <a:r>
+              <a:rPr lang="en-CA" sz="2400" b="1" dirty="0">
+                <a:solidFill>
+                  <a:schemeClr val="bg1"/>
+                </a:solidFill>
+              </a:rPr>
+              <a:t>Success Forecast</a:t>
+            </a:r>
+          </a:p>
+        </p:txBody>
+      </p:sp>
+    </p:spTree>
+    <p:extLst>
+      <p:ext uri="{BB962C8B-B14F-4D97-AF65-F5344CB8AC3E}">
+        <p14:creationId xmlns:p14="http://schemas.microsoft.com/office/powerpoint/2010/main" val="2715004273"/>
+      </p:ext>
+    </p:extLst>
+  </p:cSld>
+  <p:clrMapOvr>
+    <a:masterClrMapping/>
+  </p:clrMapOvr>
+</p:sld>
+</file>
+
 <file path=ppt/theme/theme1.xml><?xml version="1.0" encoding="utf-8"?>
-<a:theme xmlns:a="http://schemas.openxmlformats.org/drawingml/2006/main" name="Office Theme">
+<a:theme xmlns:a="http://schemas.openxmlformats.org/drawingml/2006/main" name="Savon">
   <a:themeElements>
-    <a:clrScheme name="Office Theme">
+    <a:clrScheme name="Savon">
       <a:dk1>
         <a:sysClr val="windowText" lastClr="000000"/>
       </a:dk1>
@@ -3058,83 +5093,48 @@
         <a:sysClr val="window" lastClr="FFFFFF"/>
       </a:lt1>
       <a:dk2>
-        <a:srgbClr val="44546A"/>
+        <a:srgbClr val="1485A4"/>
       </a:dk2>
       <a:lt2>
-        <a:srgbClr val="E7E6E6"/>
+        <a:srgbClr val="E3DED1"/>
       </a:lt2>
       <a:accent1>
-        <a:srgbClr val="4472C4"/>
+        <a:srgbClr val="1CADE4"/>
       </a:accent1>
       <a:accent2>
-        <a:srgbClr val="ED7D31"/>
+        <a:srgbClr val="2683C6"/>
       </a:accent2>
       <a:accent3>
-        <a:srgbClr val="A5A5A5"/>
+        <a:srgbClr val="27CED7"/>
       </a:accent3>
       <a:accent4>
-        <a:srgbClr val="FFC000"/>
+        <a:srgbClr val="42BA97"/>
       </a:accent4>
       <a:accent5>
-        <a:srgbClr val="5B9BD5"/>
+        <a:srgbClr val="3E8853"/>
       </a:accent5>
       <a:accent6>
-        <a:srgbClr val="70AD47"/>
+        <a:srgbClr val="62A39F"/>
       </a:accent6>
       <a:hlink>
-        <a:srgbClr val="0563C1"/>
+        <a:srgbClr val="F49100"/>
       </a:hlink>
       <a:folHlink>
-        <a:srgbClr val="954F72"/>
+        <a:srgbClr val="739D9B"/>
       </a:folHlink>
     </a:clrScheme>
-    <a:fontScheme name="Office Theme">
+    <a:fontScheme name="Savon">
       <a:majorFont>
-        <a:latin typeface="Calibri Light" panose="020F0302020204030204"/>
+        <a:latin typeface="Century Gothic" panose="020B0502020202020204"/>
         <a:ea typeface=""/>
         <a:cs typeface=""/>
-        <a:font script="Jpan" typeface="游ゴシック Light"/>
+        <a:font script="Jpan" typeface="ＭＳ ゴシック"/>
         <a:font script="Hang" typeface="맑은 고딕"/>
-        <a:font script="Hans" typeface="等线 Light"/>
+        <a:font script="Hans" typeface="宋体"/>
         <a:font script="Hant" typeface="新細明體"/>
-        <a:font script="Arab" typeface="Times New Roman"/>
-        <a:font script="Hebr" typeface="Times New Roman"/>
-        <a:font script="Thai" typeface="Angsana New"/>
-        <a:font script="Ethi" typeface="Nyala"/>
-        <a:font script="Beng" typeface="Vrinda"/>
-        <a:font script="Gujr" typeface="Shruti"/>
-        <a:font script="Khmr" typeface="MoolBoran"/>
-        <a:font script="Knda" typeface="Tunga"/>
-        <a:font script="Guru" typeface="Raavi"/>
-        <a:font script="Cans" typeface="Euphemia"/>
-        <a:font script="Cher" typeface="Plantagenet Cherokee"/>
-        <a:font script="Yiii" typeface="Microsoft Yi Baiti"/>
-        <a:font script="Tibt" typeface="Microsoft Himalaya"/>
-        <a:font script="Thaa" typeface="MV Boli"/>
-        <a:font script="Deva" typeface="Mangal"/>
-        <a:font script="Telu" typeface="Gautami"/>
-        <a:font script="Taml" typeface="Latha"/>
-        <a:font script="Syrc" typeface="Estrangelo Edessa"/>
-        <a:font script="Orya" typeface="Kalinga"/>
-        <a:font script="Mlym" typeface="Kartika"/>
-        <a:font script="Laoo" typeface="DokChampa"/>
-        <a:font script="Sinh" typeface="Iskoola Pota"/>
-        <a:font script="Mong" typeface="Mongolian Baiti"/>
-        <a:font script="Viet" typeface="Times New Roman"/>
-        <a:font script="Uigh" typeface="Microsoft Uighur"/>
-        <a:font script="Geor" typeface="Sylfaen"/>
-      </a:majorFont>
-      <a:minorFont>
-        <a:latin typeface="Calibri" panose="020F0502020204030204"/>
-        <a:ea typeface=""/>
-        <a:cs typeface=""/>
-        <a:font script="Jpan" typeface="游ゴシック"/>
-        <a:font script="Hang" typeface="맑은 고딕"/>
-        <a:font script="Hans" typeface="等线"/>
-        <a:font script="Hant" typeface="新細明體"/>
-        <a:font script="Arab" typeface="Arial"/>
-        <a:font script="Hebr" typeface="Arial"/>
-        <a:font script="Thai" typeface="Cordia New"/>
+        <a:font script="Arab" typeface="Tahoma"/>
+        <a:font script="Hebr" typeface="Gisha"/>
+        <a:font script="Thai" typeface="DilleniaUPC"/>
         <a:font script="Ethi" typeface="Nyala"/>
         <a:font script="Beng" typeface="Vrinda"/>
         <a:font script="Gujr" typeface="Shruti"/>
@@ -3155,12 +5155,47 @@
         <a:font script="Laoo" typeface="DokChampa"/>
         <a:font script="Sinh" typeface="Iskoola Pota"/>
         <a:font script="Mong" typeface="Mongolian Baiti"/>
-        <a:font script="Viet" typeface="Arial"/>
+        <a:font script="Viet" typeface="Tahoma"/>
+        <a:font script="Uigh" typeface="Microsoft Uighur"/>
+        <a:font script="Geor" typeface="Sylfaen"/>
+      </a:majorFont>
+      <a:minorFont>
+        <a:latin typeface="Century Gothic" panose="020B0502020202020204"/>
+        <a:ea typeface=""/>
+        <a:cs typeface=""/>
+        <a:font script="Jpan" typeface="ＭＳ ゴシック"/>
+        <a:font script="Hang" typeface="맑은 고딕"/>
+        <a:font script="Hans" typeface="宋体"/>
+        <a:font script="Hant" typeface="新細明體"/>
+        <a:font script="Arab" typeface="Tahoma"/>
+        <a:font script="Hebr" typeface="Gisha"/>
+        <a:font script="Thai" typeface="DilleniaUPC"/>
+        <a:font script="Ethi" typeface="Nyala"/>
+        <a:font script="Beng" typeface="Vrinda"/>
+        <a:font script="Gujr" typeface="Shruti"/>
+        <a:font script="Khmr" typeface="DaunPenh"/>
+        <a:font script="Knda" typeface="Tunga"/>
+        <a:font script="Guru" typeface="Raavi"/>
+        <a:font script="Cans" typeface="Euphemia"/>
+        <a:font script="Cher" typeface="Plantagenet Cherokee"/>
+        <a:font script="Yiii" typeface="Microsoft Yi Baiti"/>
+        <a:font script="Tibt" typeface="Microsoft Himalaya"/>
+        <a:font script="Thaa" typeface="MV Boli"/>
+        <a:font script="Deva" typeface="Mangal"/>
+        <a:font script="Telu" typeface="Gautami"/>
+        <a:font script="Taml" typeface="Latha"/>
+        <a:font script="Syrc" typeface="Estrangelo Edessa"/>
+        <a:font script="Orya" typeface="Kalinga"/>
+        <a:font script="Mlym" typeface="Kartika"/>
+        <a:font script="Laoo" typeface="DokChampa"/>
+        <a:font script="Sinh" typeface="Iskoola Pota"/>
+        <a:font script="Mong" typeface="Mongolian Baiti"/>
+        <a:font script="Viet" typeface="Verdana"/>
         <a:font script="Uigh" typeface="Microsoft Uighur"/>
         <a:font script="Geor" typeface="Sylfaen"/>
       </a:minorFont>
     </a:fontScheme>
-    <a:fmtScheme name="Office Theme">
+    <a:fmtScheme name="Savon">
       <a:fillStyleLst>
         <a:solidFill>
           <a:schemeClr val="phClr"/>
@@ -3169,23 +5204,23 @@
           <a:gsLst>
             <a:gs pos="0">
               <a:schemeClr val="phClr">
-                <a:lumMod val="110000"/>
+                <a:tint val="60000"/>
                 <a:satMod val="105000"/>
-                <a:tint val="67000"/>
-              </a:schemeClr>
-            </a:gs>
-            <a:gs pos="50000">
-              <a:schemeClr val="phClr">
                 <a:lumMod val="105000"/>
-                <a:satMod val="103000"/>
-                <a:tint val="73000"/>
               </a:schemeClr>
             </a:gs>
             <a:gs pos="100000">
               <a:schemeClr val="phClr">
-                <a:lumMod val="105000"/>
-                <a:satMod val="109000"/>
-                <a:tint val="81000"/>
+                <a:tint val="65000"/>
+                <a:satMod val="100000"/>
+                <a:lumMod val="100000"/>
+              </a:schemeClr>
+            </a:gs>
+            <a:gs pos="100000">
+              <a:schemeClr val="phClr">
+                <a:tint val="70000"/>
+                <a:satMod val="100000"/>
+                <a:lumMod val="100000"/>
               </a:schemeClr>
             </a:gs>
           </a:gsLst>
@@ -3195,23 +5230,22 @@
           <a:gsLst>
             <a:gs pos="0">
               <a:schemeClr val="phClr">
-                <a:satMod val="103000"/>
-                <a:lumMod val="102000"/>
-                <a:tint val="94000"/>
+                <a:satMod val="100000"/>
+                <a:lumMod val="100000"/>
               </a:schemeClr>
             </a:gs>
             <a:gs pos="50000">
               <a:schemeClr val="phClr">
-                <a:satMod val="110000"/>
+                <a:shade val="99000"/>
+                <a:satMod val="105000"/>
                 <a:lumMod val="100000"/>
-                <a:shade val="100000"/>
               </a:schemeClr>
             </a:gs>
             <a:gs pos="100000">
               <a:schemeClr val="phClr">
-                <a:lumMod val="99000"/>
-                <a:satMod val="120000"/>
-                <a:shade val="78000"/>
+                <a:shade val="98000"/>
+                <a:satMod val="105000"/>
+                <a:lumMod val="100000"/>
               </a:schemeClr>
             </a:gs>
           </a:gsLst>
@@ -3224,21 +5258,18 @@
             <a:schemeClr val="phClr"/>
           </a:solidFill>
           <a:prstDash val="solid"/>
-          <a:miter lim="800000"/>
         </a:ln>
         <a:ln w="12700" cap="flat" cmpd="sng" algn="ctr">
           <a:solidFill>
             <a:schemeClr val="phClr"/>
           </a:solidFill>
           <a:prstDash val="solid"/>
-          <a:miter lim="800000"/>
         </a:ln>
         <a:ln w="19050" cap="flat" cmpd="sng" algn="ctr">
           <a:solidFill>
             <a:schemeClr val="phClr"/>
           </a:solidFill>
           <a:prstDash val="solid"/>
-          <a:miter lim="800000"/>
         </a:ln>
       </a:lnStyleLst>
       <a:effectStyleLst>
@@ -3246,7 +5277,13 @@
           <a:effectLst/>
         </a:effectStyle>
         <a:effectStyle>
-          <a:effectLst/>
+          <a:effectLst>
+            <a:outerShdw blurRad="38100" dist="12700" dir="5400000" algn="ctr" rotWithShape="0">
+              <a:srgbClr val="000000">
+                <a:alpha val="63000"/>
+              </a:srgbClr>
+            </a:outerShdw>
+          </a:effectLst>
         </a:effectStyle>
         <a:effectStyle>
           <a:effectLst>
@@ -3256,45 +5293,63 @@
               </a:srgbClr>
             </a:outerShdw>
           </a:effectLst>
+          <a:scene3d>
+            <a:camera prst="orthographicFront">
+              <a:rot lat="0" lon="0" rev="0"/>
+            </a:camera>
+            <a:lightRig rig="flat" dir="tl">
+              <a:rot lat="0" lon="0" rev="4200000"/>
+            </a:lightRig>
+          </a:scene3d>
+          <a:sp3d prstMaterial="flat">
+            <a:bevelT w="50800" h="63500" prst="riblet"/>
+          </a:sp3d>
         </a:effectStyle>
       </a:effectStyleLst>
       <a:bgFillStyleLst>
         <a:solidFill>
           <a:schemeClr val="phClr"/>
         </a:solidFill>
-        <a:solidFill>
-          <a:schemeClr val="phClr">
-            <a:tint val="95000"/>
-            <a:satMod val="170000"/>
-          </a:schemeClr>
-        </a:solidFill>
         <a:gradFill rotWithShape="1">
           <a:gsLst>
             <a:gs pos="0">
               <a:schemeClr val="phClr">
-                <a:tint val="93000"/>
-                <a:satMod val="150000"/>
-                <a:shade val="98000"/>
-                <a:lumMod val="102000"/>
+                <a:tint val="90000"/>
+                <a:shade val="92000"/>
+                <a:satMod val="160000"/>
               </a:schemeClr>
             </a:gs>
-            <a:gs pos="50000">
+            <a:gs pos="77000">
               <a:schemeClr val="phClr">
-                <a:tint val="98000"/>
-                <a:satMod val="130000"/>
-                <a:shade val="90000"/>
-                <a:lumMod val="103000"/>
+                <a:tint val="100000"/>
+                <a:shade val="73000"/>
+                <a:satMod val="155000"/>
               </a:schemeClr>
             </a:gs>
             <a:gs pos="100000">
               <a:schemeClr val="phClr">
-                <a:shade val="63000"/>
-                <a:satMod val="120000"/>
+                <a:tint val="100000"/>
+                <a:shade val="67000"/>
+                <a:satMod val="145000"/>
               </a:schemeClr>
             </a:gs>
           </a:gsLst>
           <a:lin ang="5400000" scaled="0"/>
         </a:gradFill>
+        <a:blipFill rotWithShape="1">
+          <a:blip xmlns:r="http://schemas.openxmlformats.org/officeDocument/2006/relationships" r:embed="rId1">
+            <a:duotone>
+              <a:schemeClr val="phClr">
+                <a:tint val="95000"/>
+              </a:schemeClr>
+              <a:schemeClr val="phClr">
+                <a:shade val="92000"/>
+                <a:satMod val="115000"/>
+              </a:schemeClr>
+            </a:duotone>
+          </a:blip>
+          <a:tile tx="0" ty="0" sx="60000" sy="60000" flip="none" algn="tl"/>
+        </a:blipFill>
       </a:bgFillStyleLst>
     </a:fmtScheme>
   </a:themeElements>
@@ -3302,7 +5357,7 @@
   <a:extraClrSchemeLst/>
   <a:extLst>
     <a:ext uri="{05A4C25C-085E-4340-85A3-A5531E510DB2}">
-      <thm15:themeFamily xmlns:thm15="http://schemas.microsoft.com/office/thememl/2012/main" name="Office Theme" id="{62F939B6-93AF-4DB8-9C6B-D6C7DFDC589F}" vid="{4A3C46E8-61CC-4603-A589-7422A47A8E4A}"/>
+      <thm15:themeFamily xmlns:thm15="http://schemas.microsoft.com/office/thememl/2012/main" name="Savon" id="{1306E473-ED32-493B-A2D0-240A757EDD34}" vid="{C20BADFE-D095-436F-9677-9264042809F0}"/>
     </a:ext>
   </a:extLst>
 </a:theme>
